--- a/HospitalManagementSystemSunum.pptx
+++ b/HospitalManagementSystemSunum.pptx
@@ -297,7 +297,7 @@
           <a:p>
             <a:fld id="{91899FAB-DE70-42E0-BC2B-1E77CC51F114}" type="datetimeFigureOut">
               <a:rPr lang="tr-TR" smtClean="0"/>
-              <a:t>24.03.2024</a:t>
+              <a:t>25.03.2024</a:t>
             </a:fld>
             <a:endParaRPr lang="tr-TR"/>
           </a:p>
@@ -627,7 +627,7 @@
           <a:p>
             <a:fld id="{91899FAB-DE70-42E0-BC2B-1E77CC51F114}" type="datetimeFigureOut">
               <a:rPr lang="tr-TR" smtClean="0"/>
-              <a:t>24.03.2024</a:t>
+              <a:t>25.03.2024</a:t>
             </a:fld>
             <a:endParaRPr lang="tr-TR"/>
           </a:p>
@@ -807,7 +807,7 @@
           <a:p>
             <a:fld id="{91899FAB-DE70-42E0-BC2B-1E77CC51F114}" type="datetimeFigureOut">
               <a:rPr lang="tr-TR" smtClean="0"/>
-              <a:t>24.03.2024</a:t>
+              <a:t>25.03.2024</a:t>
             </a:fld>
             <a:endParaRPr lang="tr-TR"/>
           </a:p>
@@ -977,7 +977,7 @@
           <a:p>
             <a:fld id="{91899FAB-DE70-42E0-BC2B-1E77CC51F114}" type="datetimeFigureOut">
               <a:rPr lang="tr-TR" smtClean="0"/>
-              <a:t>24.03.2024</a:t>
+              <a:t>25.03.2024</a:t>
             </a:fld>
             <a:endParaRPr lang="tr-TR"/>
           </a:p>
@@ -1254,7 +1254,7 @@
           <a:p>
             <a:fld id="{91899FAB-DE70-42E0-BC2B-1E77CC51F114}" type="datetimeFigureOut">
               <a:rPr lang="tr-TR" smtClean="0"/>
-              <a:t>24.03.2024</a:t>
+              <a:t>25.03.2024</a:t>
             </a:fld>
             <a:endParaRPr lang="tr-TR"/>
           </a:p>
@@ -1648,7 +1648,7 @@
           <a:p>
             <a:fld id="{91899FAB-DE70-42E0-BC2B-1E77CC51F114}" type="datetimeFigureOut">
               <a:rPr lang="tr-TR" smtClean="0"/>
-              <a:t>24.03.2024</a:t>
+              <a:t>25.03.2024</a:t>
             </a:fld>
             <a:endParaRPr lang="tr-TR"/>
           </a:p>
@@ -2125,7 +2125,7 @@
           <a:p>
             <a:fld id="{91899FAB-DE70-42E0-BC2B-1E77CC51F114}" type="datetimeFigureOut">
               <a:rPr lang="tr-TR" smtClean="0"/>
-              <a:t>24.03.2024</a:t>
+              <a:t>25.03.2024</a:t>
             </a:fld>
             <a:endParaRPr lang="tr-TR"/>
           </a:p>
@@ -2243,7 +2243,7 @@
           <a:p>
             <a:fld id="{91899FAB-DE70-42E0-BC2B-1E77CC51F114}" type="datetimeFigureOut">
               <a:rPr lang="tr-TR" smtClean="0"/>
-              <a:t>24.03.2024</a:t>
+              <a:t>25.03.2024</a:t>
             </a:fld>
             <a:endParaRPr lang="tr-TR"/>
           </a:p>
@@ -2338,7 +2338,7 @@
           <a:p>
             <a:fld id="{91899FAB-DE70-42E0-BC2B-1E77CC51F114}" type="datetimeFigureOut">
               <a:rPr lang="tr-TR" smtClean="0"/>
-              <a:t>24.03.2024</a:t>
+              <a:t>25.03.2024</a:t>
             </a:fld>
             <a:endParaRPr lang="tr-TR"/>
           </a:p>
@@ -2684,7 +2684,7 @@
           <a:p>
             <a:fld id="{91899FAB-DE70-42E0-BC2B-1E77CC51F114}" type="datetimeFigureOut">
               <a:rPr lang="tr-TR" smtClean="0"/>
-              <a:t>24.03.2024</a:t>
+              <a:t>25.03.2024</a:t>
             </a:fld>
             <a:endParaRPr lang="tr-TR"/>
           </a:p>
@@ -3072,7 +3072,7 @@
           <a:p>
             <a:fld id="{91899FAB-DE70-42E0-BC2B-1E77CC51F114}" type="datetimeFigureOut">
               <a:rPr lang="tr-TR" smtClean="0"/>
-              <a:t>24.03.2024</a:t>
+              <a:t>25.03.2024</a:t>
             </a:fld>
             <a:endParaRPr lang="tr-TR"/>
           </a:p>
@@ -3350,7 +3350,7 @@
           <a:p>
             <a:fld id="{91899FAB-DE70-42E0-BC2B-1E77CC51F114}" type="datetimeFigureOut">
               <a:rPr lang="tr-TR" smtClean="0"/>
-              <a:t>24.03.2024</a:t>
+              <a:t>25.03.2024</a:t>
             </a:fld>
             <a:endParaRPr lang="tr-TR"/>
           </a:p>
@@ -4111,56 +4111,392 @@
           <a:chExt cx="0" cy="0"/>
         </a:xfrm>
       </p:grpSpPr>
-      <p:sp>
-        <p:nvSpPr>
-          <p:cNvPr id="2" name="Başlık 1">
+      <p:graphicFrame>
+        <p:nvGraphicFramePr>
+          <p:cNvPr id="4" name="Tablo 3">
             <a:extLst>
               <a:ext uri="{FF2B5EF4-FFF2-40B4-BE49-F238E27FC236}">
-                <a16:creationId xmlns:a16="http://schemas.microsoft.com/office/drawing/2014/main" id="{E1A1CBAF-589A-A531-97C6-78E446E9BD1F}"/>
+                <a16:creationId xmlns:a16="http://schemas.microsoft.com/office/drawing/2014/main" id="{7BED4429-ADA9-E7E4-D2AB-1C3612908C6F}"/>
               </a:ext>
             </a:extLst>
           </p:cNvPr>
-          <p:cNvSpPr>
-            <a:spLocks noGrp="1"/>
-          </p:cNvSpPr>
-          <p:nvPr>
-            <p:ph type="title"/>
-          </p:nvPr>
-        </p:nvSpPr>
-        <p:spPr/>
-        <p:txBody>
-          <a:bodyPr/>
-          <a:lstStyle/>
-          <a:p>
-            <a:endParaRPr lang="tr-TR"/>
-          </a:p>
-        </p:txBody>
-      </p:sp>
-      <p:sp>
-        <p:nvSpPr>
-          <p:cNvPr id="3" name="İçerik Yer Tutucusu 2">
-            <a:extLst>
-              <a:ext uri="{FF2B5EF4-FFF2-40B4-BE49-F238E27FC236}">
-                <a16:creationId xmlns:a16="http://schemas.microsoft.com/office/drawing/2014/main" id="{20EE4AE1-4D5B-4901-D729-26D93581F752}"/>
-              </a:ext>
-            </a:extLst>
-          </p:cNvPr>
-          <p:cNvSpPr>
-            <a:spLocks noGrp="1"/>
-          </p:cNvSpPr>
-          <p:nvPr>
-            <p:ph idx="1"/>
-          </p:nvPr>
-        </p:nvSpPr>
-        <p:spPr/>
-        <p:txBody>
-          <a:bodyPr/>
-          <a:lstStyle/>
-          <a:p>
-            <a:endParaRPr lang="tr-TR"/>
-          </a:p>
-        </p:txBody>
-      </p:sp>
+          <p:cNvGraphicFramePr>
+            <a:graphicFrameLocks noGrp="1"/>
+          </p:cNvGraphicFramePr>
+          <p:nvPr>
+            <p:extLst>
+              <p:ext uri="{D42A27DB-BD31-4B8C-83A1-F6EECF244321}">
+                <p14:modId xmlns:p14="http://schemas.microsoft.com/office/powerpoint/2010/main" val="1023572326"/>
+              </p:ext>
+            </p:extLst>
+          </p:nvPr>
+        </p:nvGraphicFramePr>
+        <p:xfrm>
+          <a:off x="1028699" y="205542"/>
+          <a:ext cx="10848976" cy="6316011"/>
+        </p:xfrm>
+        <a:graphic>
+          <a:graphicData uri="http://schemas.openxmlformats.org/drawingml/2006/table">
+            <a:tbl>
+              <a:tblPr firstRow="1" bandRow="1">
+                <a:tableStyleId>{073A0DAA-6AF3-43AB-8588-CEC1D06C72B9}</a:tableStyleId>
+              </a:tblPr>
+              <a:tblGrid>
+                <a:gridCol w="1971676">
+                  <a:extLst>
+                    <a:ext uri="{9D8B030D-6E8A-4147-A177-3AD203B41FA5}">
+                      <a16:colId xmlns:a16="http://schemas.microsoft.com/office/drawing/2014/main" val="1669317243"/>
+                    </a:ext>
+                  </a:extLst>
+                </a:gridCol>
+                <a:gridCol w="8877300">
+                  <a:extLst>
+                    <a:ext uri="{9D8B030D-6E8A-4147-A177-3AD203B41FA5}">
+                      <a16:colId xmlns:a16="http://schemas.microsoft.com/office/drawing/2014/main" val="555838043"/>
+                    </a:ext>
+                  </a:extLst>
+                </a:gridCol>
+              </a:tblGrid>
+              <a:tr h="682959">
+                <a:tc>
+                  <a:txBody>
+                    <a:bodyPr/>
+                    <a:lstStyle/>
+                    <a:p>
+                      <a:pPr algn="ctr"/>
+                      <a:r>
+                        <a:rPr lang="tr-TR" dirty="0"/>
+                        <a:t>Senaryo KS1</a:t>
+                      </a:r>
+                    </a:p>
+                  </a:txBody>
+                  <a:tcPr/>
+                </a:tc>
+                <a:tc>
+                  <a:txBody>
+                    <a:bodyPr/>
+                    <a:lstStyle/>
+                    <a:p>
+                      <a:r>
+                        <a:rPr lang="tr-TR" dirty="0"/>
+                        <a:t>Hasta çevrimiçi randevu alma, muayene olma ve bilgi işlemleri</a:t>
+                      </a:r>
+                    </a:p>
+                  </a:txBody>
+                  <a:tcPr/>
+                </a:tc>
+                <a:extLst>
+                  <a:ext uri="{0D108BD9-81ED-4DB2-BD59-A6C34878D82A}">
+                    <a16:rowId xmlns:a16="http://schemas.microsoft.com/office/drawing/2014/main" val="1987928060"/>
+                  </a:ext>
+                </a:extLst>
+              </a:tr>
+              <a:tr h="721224">
+                <a:tc>
+                  <a:txBody>
+                    <a:bodyPr/>
+                    <a:lstStyle/>
+                    <a:p>
+                      <a:pPr algn="ctr"/>
+                      <a:r>
+                        <a:rPr lang="tr-TR" b="1" dirty="0">
+                          <a:solidFill>
+                            <a:srgbClr val="000000"/>
+                          </a:solidFill>
+                        </a:rPr>
+                        <a:t>Birinci Aktör</a:t>
+                      </a:r>
+                    </a:p>
+                  </a:txBody>
+                  <a:tcPr/>
+                </a:tc>
+                <a:tc>
+                  <a:txBody>
+                    <a:bodyPr/>
+                    <a:lstStyle/>
+                    <a:p>
+                      <a:r>
+                        <a:rPr lang="tr-TR" dirty="0">
+                          <a:solidFill>
+                            <a:srgbClr val="000000"/>
+                          </a:solidFill>
+                        </a:rPr>
+                        <a:t>Hasta</a:t>
+                      </a:r>
+                    </a:p>
+                  </a:txBody>
+                  <a:tcPr/>
+                </a:tc>
+                <a:extLst>
+                  <a:ext uri="{0D108BD9-81ED-4DB2-BD59-A6C34878D82A}">
+                    <a16:rowId xmlns:a16="http://schemas.microsoft.com/office/drawing/2014/main" val="2379179207"/>
+                  </a:ext>
+                </a:extLst>
+              </a:tr>
+              <a:tr h="979961">
+                <a:tc>
+                  <a:txBody>
+                    <a:bodyPr/>
+                    <a:lstStyle/>
+                    <a:p>
+                      <a:pPr algn="ctr"/>
+                      <a:r>
+                        <a:rPr lang="tr-TR" b="1" dirty="0">
+                          <a:solidFill>
+                            <a:srgbClr val="000000"/>
+                          </a:solidFill>
+                        </a:rPr>
+                        <a:t>İlgililer ve Beklentileri</a:t>
+                      </a:r>
+                    </a:p>
+                  </a:txBody>
+                  <a:tcPr/>
+                </a:tc>
+                <a:tc>
+                  <a:txBody>
+                    <a:bodyPr/>
+                    <a:lstStyle/>
+                    <a:p>
+                      <a:r>
+                        <a:rPr lang="tr-TR" dirty="0">
+                          <a:solidFill>
+                            <a:srgbClr val="000000"/>
+                          </a:solidFill>
+                        </a:rPr>
+                        <a:t>Hastane Sistemi: Hastanın bilgilerinin eksiksiz alınması.</a:t>
+                      </a:r>
+                    </a:p>
+                    <a:p>
+                      <a:r>
+                        <a:rPr lang="tr-TR" dirty="0">
+                          <a:solidFill>
+                            <a:srgbClr val="000000"/>
+                          </a:solidFill>
+                        </a:rPr>
+                        <a:t>Doktor: Hastanın bilgilerinin sistemde gözükmesi.</a:t>
+                      </a:r>
+                    </a:p>
+                  </a:txBody>
+                  <a:tcPr/>
+                </a:tc>
+                <a:extLst>
+                  <a:ext uri="{0D108BD9-81ED-4DB2-BD59-A6C34878D82A}">
+                    <a16:rowId xmlns:a16="http://schemas.microsoft.com/office/drawing/2014/main" val="3482619476"/>
+                  </a:ext>
+                </a:extLst>
+              </a:tr>
+              <a:tr h="637727">
+                <a:tc>
+                  <a:txBody>
+                    <a:bodyPr/>
+                    <a:lstStyle/>
+                    <a:p>
+                      <a:pPr algn="ctr"/>
+                      <a:r>
+                        <a:rPr lang="tr-TR" b="1" dirty="0">
+                          <a:solidFill>
+                            <a:srgbClr val="000000"/>
+                          </a:solidFill>
+                        </a:rPr>
+                        <a:t>Ön Koşullar</a:t>
+                      </a:r>
+                    </a:p>
+                  </a:txBody>
+                  <a:tcPr/>
+                </a:tc>
+                <a:tc>
+                  <a:txBody>
+                    <a:bodyPr/>
+                    <a:lstStyle/>
+                    <a:p>
+                      <a:r>
+                        <a:rPr lang="tr-TR" dirty="0">
+                          <a:solidFill>
+                            <a:srgbClr val="000000"/>
+                          </a:solidFill>
+                        </a:rPr>
+                        <a:t>Hasta sisteme kayıt olmuş ve giriş yapmış olmalı.</a:t>
+                      </a:r>
+                    </a:p>
+                  </a:txBody>
+                  <a:tcPr/>
+                </a:tc>
+                <a:extLst>
+                  <a:ext uri="{0D108BD9-81ED-4DB2-BD59-A6C34878D82A}">
+                    <a16:rowId xmlns:a16="http://schemas.microsoft.com/office/drawing/2014/main" val="3454545301"/>
+                  </a:ext>
+                </a:extLst>
+              </a:tr>
+              <a:tr h="979961">
+                <a:tc>
+                  <a:txBody>
+                    <a:bodyPr/>
+                    <a:lstStyle/>
+                    <a:p>
+                      <a:pPr algn="ctr"/>
+                      <a:r>
+                        <a:rPr lang="tr-TR" b="1" dirty="0">
+                          <a:solidFill>
+                            <a:srgbClr val="000000"/>
+                          </a:solidFill>
+                        </a:rPr>
+                        <a:t>Son Koşullar</a:t>
+                      </a:r>
+                    </a:p>
+                  </a:txBody>
+                  <a:tcPr/>
+                </a:tc>
+                <a:tc>
+                  <a:txBody>
+                    <a:bodyPr/>
+                    <a:lstStyle/>
+                    <a:p>
+                      <a:r>
+                        <a:rPr lang="tr-TR" dirty="0">
+                          <a:solidFill>
+                            <a:srgbClr val="000000"/>
+                          </a:solidFill>
+                        </a:rPr>
+                        <a:t>Bilgiler doğrulanıp sistemden randevu alınmalıdır.</a:t>
+                      </a:r>
+                    </a:p>
+                  </a:txBody>
+                  <a:tcPr/>
+                </a:tc>
+                <a:extLst>
+                  <a:ext uri="{0D108BD9-81ED-4DB2-BD59-A6C34878D82A}">
+                    <a16:rowId xmlns:a16="http://schemas.microsoft.com/office/drawing/2014/main" val="2493980098"/>
+                  </a:ext>
+                </a:extLst>
+              </a:tr>
+              <a:tr h="1532734">
+                <a:tc>
+                  <a:txBody>
+                    <a:bodyPr/>
+                    <a:lstStyle/>
+                    <a:p>
+                      <a:pPr algn="ctr"/>
+                      <a:r>
+                        <a:rPr lang="tr-TR" b="1" dirty="0">
+                          <a:solidFill>
+                            <a:srgbClr val="000000"/>
+                          </a:solidFill>
+                        </a:rPr>
+                        <a:t>Ana Akış</a:t>
+                      </a:r>
+                    </a:p>
+                  </a:txBody>
+                  <a:tcPr/>
+                </a:tc>
+                <a:tc>
+                  <a:txBody>
+                    <a:bodyPr/>
+                    <a:lstStyle/>
+                    <a:p>
+                      <a:r>
+                        <a:rPr lang="tr-TR" dirty="0">
+                          <a:solidFill>
+                            <a:srgbClr val="000000"/>
+                          </a:solidFill>
+                        </a:rPr>
+                        <a:t>1- Hasta sisteme kayıt olur ve bilgileriyle giriş yapar.</a:t>
+                      </a:r>
+                    </a:p>
+                    <a:p>
+                      <a:r>
+                        <a:rPr lang="tr-TR" dirty="0">
+                          <a:solidFill>
+                            <a:srgbClr val="000000"/>
+                          </a:solidFill>
+                        </a:rPr>
+                        <a:t>2- Sistemdeki boş saatlerden birine randevu alır.</a:t>
+                      </a:r>
+                    </a:p>
+                    <a:p>
+                      <a:r>
+                        <a:rPr lang="tr-TR" dirty="0">
+                          <a:solidFill>
+                            <a:srgbClr val="000000"/>
+                          </a:solidFill>
+                        </a:rPr>
+                        <a:t>3- Hastaneye gidip muayene olur.</a:t>
+                      </a:r>
+                    </a:p>
+                    <a:p>
+                      <a:r>
+                        <a:rPr lang="tr-TR" dirty="0">
+                          <a:solidFill>
+                            <a:srgbClr val="000000"/>
+                          </a:solidFill>
+                        </a:rPr>
+                        <a:t>4- Doktor tanı koyar ve reçete yazar.</a:t>
+                      </a:r>
+                    </a:p>
+                    <a:p>
+                      <a:r>
+                        <a:rPr lang="tr-TR" dirty="0">
+                          <a:solidFill>
+                            <a:srgbClr val="000000"/>
+                          </a:solidFill>
+                        </a:rPr>
+                        <a:t>5- Hasta doktoru değerlendirir.</a:t>
+                      </a:r>
+                    </a:p>
+                  </a:txBody>
+                  <a:tcPr/>
+                </a:tc>
+                <a:extLst>
+                  <a:ext uri="{0D108BD9-81ED-4DB2-BD59-A6C34878D82A}">
+                    <a16:rowId xmlns:a16="http://schemas.microsoft.com/office/drawing/2014/main" val="3618636119"/>
+                  </a:ext>
+                </a:extLst>
+              </a:tr>
+              <a:tr h="781445">
+                <a:tc>
+                  <a:txBody>
+                    <a:bodyPr/>
+                    <a:lstStyle/>
+                    <a:p>
+                      <a:pPr algn="ctr"/>
+                      <a:r>
+                        <a:rPr lang="tr-TR" b="1" dirty="0">
+                          <a:solidFill>
+                            <a:srgbClr val="000000"/>
+                          </a:solidFill>
+                        </a:rPr>
+                        <a:t>Alternatif Akış</a:t>
+                      </a:r>
+                    </a:p>
+                  </a:txBody>
+                  <a:tcPr/>
+                </a:tc>
+                <a:tc>
+                  <a:txBody>
+                    <a:bodyPr/>
+                    <a:lstStyle/>
+                    <a:p>
+                      <a:r>
+                        <a:rPr lang="tr-TR" dirty="0">
+                          <a:solidFill>
+                            <a:srgbClr val="000000"/>
+                          </a:solidFill>
+                        </a:rPr>
+                        <a:t>1a: Hasta giriş ekranında yanlış bilgi girer sistem hata mesajı verir.</a:t>
+                      </a:r>
+                    </a:p>
+                  </a:txBody>
+                  <a:tcPr/>
+                </a:tc>
+                <a:extLst>
+                  <a:ext uri="{0D108BD9-81ED-4DB2-BD59-A6C34878D82A}">
+                    <a16:rowId xmlns:a16="http://schemas.microsoft.com/office/drawing/2014/main" val="863775012"/>
+                  </a:ext>
+                </a:extLst>
+              </a:tr>
+            </a:tbl>
+          </a:graphicData>
+        </a:graphic>
+      </p:graphicFrame>
     </p:spTree>
     <p:extLst>
       <p:ext uri="{BB962C8B-B14F-4D97-AF65-F5344CB8AC3E}">
@@ -4373,6 +4709,437 @@
           </a:p>
         </p:txBody>
       </p:sp>
+      <p:graphicFrame>
+        <p:nvGraphicFramePr>
+          <p:cNvPr id="4" name="Tablo 3">
+            <a:extLst>
+              <a:ext uri="{FF2B5EF4-FFF2-40B4-BE49-F238E27FC236}">
+                <a16:creationId xmlns:a16="http://schemas.microsoft.com/office/drawing/2014/main" id="{A3C2C01E-728A-BB23-BC82-FDEA598E80A4}"/>
+              </a:ext>
+            </a:extLst>
+          </p:cNvPr>
+          <p:cNvGraphicFramePr>
+            <a:graphicFrameLocks noGrp="1"/>
+          </p:cNvGraphicFramePr>
+          <p:nvPr>
+            <p:extLst>
+              <p:ext uri="{D42A27DB-BD31-4B8C-83A1-F6EECF244321}">
+                <p14:modId xmlns:p14="http://schemas.microsoft.com/office/powerpoint/2010/main" val="1673928444"/>
+              </p:ext>
+            </p:extLst>
+          </p:nvPr>
+        </p:nvGraphicFramePr>
+        <p:xfrm>
+          <a:off x="1028699" y="152399"/>
+          <a:ext cx="10848976" cy="6562725"/>
+        </p:xfrm>
+        <a:graphic>
+          <a:graphicData uri="http://schemas.openxmlformats.org/drawingml/2006/table">
+            <a:tbl>
+              <a:tblPr firstRow="1" bandRow="1">
+                <a:tableStyleId>{073A0DAA-6AF3-43AB-8588-CEC1D06C72B9}</a:tableStyleId>
+              </a:tblPr>
+              <a:tblGrid>
+                <a:gridCol w="1971676">
+                  <a:extLst>
+                    <a:ext uri="{9D8B030D-6E8A-4147-A177-3AD203B41FA5}">
+                      <a16:colId xmlns:a16="http://schemas.microsoft.com/office/drawing/2014/main" val="1669317243"/>
+                    </a:ext>
+                  </a:extLst>
+                </a:gridCol>
+                <a:gridCol w="8877300">
+                  <a:extLst>
+                    <a:ext uri="{9D8B030D-6E8A-4147-A177-3AD203B41FA5}">
+                      <a16:colId xmlns:a16="http://schemas.microsoft.com/office/drawing/2014/main" val="555838043"/>
+                    </a:ext>
+                  </a:extLst>
+                </a:gridCol>
+              </a:tblGrid>
+              <a:tr h="682959">
+                <a:tc>
+                  <a:txBody>
+                    <a:bodyPr/>
+                    <a:lstStyle/>
+                    <a:p>
+                      <a:pPr algn="ctr"/>
+                      <a:r>
+                        <a:rPr lang="tr-TR" dirty="0"/>
+                        <a:t>Senaryo KS2</a:t>
+                      </a:r>
+                    </a:p>
+                  </a:txBody>
+                  <a:tcPr/>
+                </a:tc>
+                <a:tc>
+                  <a:txBody>
+                    <a:bodyPr/>
+                    <a:lstStyle/>
+                    <a:p>
+                      <a:r>
+                        <a:rPr lang="tr-TR" dirty="0"/>
+                        <a:t>Doktor muayene ve bilgi işlemleri</a:t>
+                      </a:r>
+                    </a:p>
+                  </a:txBody>
+                  <a:tcPr/>
+                </a:tc>
+                <a:extLst>
+                  <a:ext uri="{0D108BD9-81ED-4DB2-BD59-A6C34878D82A}">
+                    <a16:rowId xmlns:a16="http://schemas.microsoft.com/office/drawing/2014/main" val="1987928060"/>
+                  </a:ext>
+                </a:extLst>
+              </a:tr>
+              <a:tr h="979961">
+                <a:tc>
+                  <a:txBody>
+                    <a:bodyPr/>
+                    <a:lstStyle/>
+                    <a:p>
+                      <a:pPr algn="ctr"/>
+                      <a:r>
+                        <a:rPr lang="tr-TR" b="1" dirty="0">
+                          <a:solidFill>
+                            <a:srgbClr val="000000"/>
+                          </a:solidFill>
+                        </a:rPr>
+                        <a:t>Birinci Aktör</a:t>
+                      </a:r>
+                    </a:p>
+                  </a:txBody>
+                  <a:tcPr/>
+                </a:tc>
+                <a:tc>
+                  <a:txBody>
+                    <a:bodyPr/>
+                    <a:lstStyle/>
+                    <a:p>
+                      <a:r>
+                        <a:rPr lang="tr-TR" dirty="0">
+                          <a:solidFill>
+                            <a:srgbClr val="000000"/>
+                          </a:solidFill>
+                        </a:rPr>
+                        <a:t>Doktor</a:t>
+                      </a:r>
+                    </a:p>
+                  </a:txBody>
+                  <a:tcPr/>
+                </a:tc>
+                <a:extLst>
+                  <a:ext uri="{0D108BD9-81ED-4DB2-BD59-A6C34878D82A}">
+                    <a16:rowId xmlns:a16="http://schemas.microsoft.com/office/drawing/2014/main" val="2379179207"/>
+                  </a:ext>
+                </a:extLst>
+              </a:tr>
+              <a:tr h="979961">
+                <a:tc>
+                  <a:txBody>
+                    <a:bodyPr/>
+                    <a:lstStyle/>
+                    <a:p>
+                      <a:pPr algn="ctr"/>
+                      <a:r>
+                        <a:rPr lang="tr-TR" b="1" dirty="0">
+                          <a:solidFill>
+                            <a:srgbClr val="000000"/>
+                          </a:solidFill>
+                        </a:rPr>
+                        <a:t>İlgililer ve Beklentileri</a:t>
+                      </a:r>
+                    </a:p>
+                  </a:txBody>
+                  <a:tcPr/>
+                </a:tc>
+                <a:tc>
+                  <a:txBody>
+                    <a:bodyPr/>
+                    <a:lstStyle/>
+                    <a:p>
+                      <a:pPr marL="0" marR="0" lvl="0" indent="0" algn="l" defTabSz="914400" rtl="0" eaLnBrk="1" fontAlgn="auto" latinLnBrk="0" hangingPunct="1">
+                        <a:lnSpc>
+                          <a:spcPct val="100000"/>
+                        </a:lnSpc>
+                        <a:spcBef>
+                          <a:spcPts val="0"/>
+                        </a:spcBef>
+                        <a:spcAft>
+                          <a:spcPts val="0"/>
+                        </a:spcAft>
+                        <a:buClrTx/>
+                        <a:buSzTx/>
+                        <a:buFontTx/>
+                        <a:buNone/>
+                        <a:tabLst/>
+                        <a:defRPr/>
+                      </a:pPr>
+                      <a:r>
+                        <a:rPr lang="tr-TR" dirty="0">
+                          <a:solidFill>
+                            <a:srgbClr val="000000"/>
+                          </a:solidFill>
+                        </a:rPr>
+                        <a:t>Hastane Sistemi: Doktorun bilgilerinin eksiksiz alınması.</a:t>
+                      </a:r>
+                    </a:p>
+                    <a:p>
+                      <a:pPr marL="0" marR="0" lvl="0" indent="0" algn="l" defTabSz="914400" rtl="0" eaLnBrk="1" fontAlgn="auto" latinLnBrk="0" hangingPunct="1">
+                        <a:lnSpc>
+                          <a:spcPct val="100000"/>
+                        </a:lnSpc>
+                        <a:spcBef>
+                          <a:spcPts val="0"/>
+                        </a:spcBef>
+                        <a:spcAft>
+                          <a:spcPts val="0"/>
+                        </a:spcAft>
+                        <a:buClrTx/>
+                        <a:buSzTx/>
+                        <a:buFontTx/>
+                        <a:buNone/>
+                        <a:tabLst/>
+                        <a:defRPr/>
+                      </a:pPr>
+                      <a:r>
+                        <a:rPr lang="tr-TR" dirty="0">
+                          <a:solidFill>
+                            <a:srgbClr val="000000"/>
+                          </a:solidFill>
+                        </a:rPr>
+                        <a:t>Hasta: Muayene sonunda tanı koyması ve reçete yazması.</a:t>
+                      </a:r>
+                    </a:p>
+                    <a:p>
+                      <a:endParaRPr lang="tr-TR" dirty="0">
+                        <a:solidFill>
+                          <a:srgbClr val="000000"/>
+                        </a:solidFill>
+                      </a:endParaRPr>
+                    </a:p>
+                  </a:txBody>
+                  <a:tcPr/>
+                </a:tc>
+                <a:extLst>
+                  <a:ext uri="{0D108BD9-81ED-4DB2-BD59-A6C34878D82A}">
+                    <a16:rowId xmlns:a16="http://schemas.microsoft.com/office/drawing/2014/main" val="3482619476"/>
+                  </a:ext>
+                </a:extLst>
+              </a:tr>
+              <a:tr h="979961">
+                <a:tc>
+                  <a:txBody>
+                    <a:bodyPr/>
+                    <a:lstStyle/>
+                    <a:p>
+                      <a:pPr algn="ctr"/>
+                      <a:r>
+                        <a:rPr lang="tr-TR" b="1" dirty="0">
+                          <a:solidFill>
+                            <a:srgbClr val="000000"/>
+                          </a:solidFill>
+                        </a:rPr>
+                        <a:t>Ön Koşullar</a:t>
+                      </a:r>
+                    </a:p>
+                  </a:txBody>
+                  <a:tcPr/>
+                </a:tc>
+                <a:tc>
+                  <a:txBody>
+                    <a:bodyPr/>
+                    <a:lstStyle/>
+                    <a:p>
+                      <a:r>
+                        <a:rPr lang="tr-TR" dirty="0">
+                          <a:solidFill>
+                            <a:srgbClr val="000000"/>
+                          </a:solidFill>
+                        </a:rPr>
+                        <a:t>Doktor sisteme giriş yapmış olmalı.</a:t>
+                      </a:r>
+                    </a:p>
+                  </a:txBody>
+                  <a:tcPr/>
+                </a:tc>
+                <a:extLst>
+                  <a:ext uri="{0D108BD9-81ED-4DB2-BD59-A6C34878D82A}">
+                    <a16:rowId xmlns:a16="http://schemas.microsoft.com/office/drawing/2014/main" val="3454545301"/>
+                  </a:ext>
+                </a:extLst>
+              </a:tr>
+              <a:tr h="979961">
+                <a:tc>
+                  <a:txBody>
+                    <a:bodyPr/>
+                    <a:lstStyle/>
+                    <a:p>
+                      <a:pPr algn="ctr"/>
+                      <a:r>
+                        <a:rPr lang="tr-TR" b="1" dirty="0">
+                          <a:solidFill>
+                            <a:srgbClr val="000000"/>
+                          </a:solidFill>
+                        </a:rPr>
+                        <a:t>Son Koşullar</a:t>
+                      </a:r>
+                    </a:p>
+                  </a:txBody>
+                  <a:tcPr/>
+                </a:tc>
+                <a:tc>
+                  <a:txBody>
+                    <a:bodyPr/>
+                    <a:lstStyle/>
+                    <a:p>
+                      <a:r>
+                        <a:rPr lang="tr-TR" dirty="0">
+                          <a:solidFill>
+                            <a:srgbClr val="000000"/>
+                          </a:solidFill>
+                        </a:rPr>
+                        <a:t>Hastalara tanı koyup sistemi devam ettirmelidir.</a:t>
+                      </a:r>
+                    </a:p>
+                  </a:txBody>
+                  <a:tcPr/>
+                </a:tc>
+                <a:extLst>
+                  <a:ext uri="{0D108BD9-81ED-4DB2-BD59-A6C34878D82A}">
+                    <a16:rowId xmlns:a16="http://schemas.microsoft.com/office/drawing/2014/main" val="2493980098"/>
+                  </a:ext>
+                </a:extLst>
+              </a:tr>
+              <a:tr h="979961">
+                <a:tc>
+                  <a:txBody>
+                    <a:bodyPr/>
+                    <a:lstStyle/>
+                    <a:p>
+                      <a:pPr algn="ctr"/>
+                      <a:r>
+                        <a:rPr lang="tr-TR" b="1" dirty="0">
+                          <a:solidFill>
+                            <a:srgbClr val="000000"/>
+                          </a:solidFill>
+                        </a:rPr>
+                        <a:t>Ana Akış</a:t>
+                      </a:r>
+                    </a:p>
+                  </a:txBody>
+                  <a:tcPr/>
+                </a:tc>
+                <a:tc>
+                  <a:txBody>
+                    <a:bodyPr/>
+                    <a:lstStyle/>
+                    <a:p>
+                      <a:r>
+                        <a:rPr lang="tr-TR" dirty="0">
+                          <a:solidFill>
+                            <a:srgbClr val="000000"/>
+                          </a:solidFill>
+                        </a:rPr>
+                        <a:t>1- Doktor sisteme bilgileri ile giriş yapar</a:t>
+                      </a:r>
+                    </a:p>
+                    <a:p>
+                      <a:r>
+                        <a:rPr lang="tr-TR" dirty="0">
+                          <a:solidFill>
+                            <a:srgbClr val="000000"/>
+                          </a:solidFill>
+                        </a:rPr>
+                        <a:t>2- Gelen hastaları muayene edip sisteme tanı girer.</a:t>
+                      </a:r>
+                    </a:p>
+                    <a:p>
+                      <a:r>
+                        <a:rPr lang="tr-TR" dirty="0">
+                          <a:solidFill>
+                            <a:srgbClr val="000000"/>
+                          </a:solidFill>
+                        </a:rPr>
+                        <a:t>3- Gerekiyorsa reçete yazar.</a:t>
+                      </a:r>
+                    </a:p>
+                  </a:txBody>
+                  <a:tcPr/>
+                </a:tc>
+                <a:extLst>
+                  <a:ext uri="{0D108BD9-81ED-4DB2-BD59-A6C34878D82A}">
+                    <a16:rowId xmlns:a16="http://schemas.microsoft.com/office/drawing/2014/main" val="3618636119"/>
+                  </a:ext>
+                </a:extLst>
+              </a:tr>
+              <a:tr h="979961">
+                <a:tc>
+                  <a:txBody>
+                    <a:bodyPr/>
+                    <a:lstStyle/>
+                    <a:p>
+                      <a:pPr algn="ctr"/>
+                      <a:r>
+                        <a:rPr lang="tr-TR" b="1" dirty="0">
+                          <a:solidFill>
+                            <a:srgbClr val="000000"/>
+                          </a:solidFill>
+                        </a:rPr>
+                        <a:t>Alternatif Akış</a:t>
+                      </a:r>
+                    </a:p>
+                  </a:txBody>
+                  <a:tcPr/>
+                </a:tc>
+                <a:tc>
+                  <a:txBody>
+                    <a:bodyPr/>
+                    <a:lstStyle/>
+                    <a:p>
+                      <a:pPr marL="0" marR="0" lvl="0" indent="0" algn="l" defTabSz="914400" rtl="0" eaLnBrk="1" fontAlgn="auto" latinLnBrk="0" hangingPunct="1">
+                        <a:lnSpc>
+                          <a:spcPct val="100000"/>
+                        </a:lnSpc>
+                        <a:spcBef>
+                          <a:spcPts val="0"/>
+                        </a:spcBef>
+                        <a:spcAft>
+                          <a:spcPts val="0"/>
+                        </a:spcAft>
+                        <a:buClrTx/>
+                        <a:buSzTx/>
+                        <a:buFontTx/>
+                        <a:buNone/>
+                        <a:tabLst/>
+                        <a:defRPr/>
+                      </a:pPr>
+                      <a:r>
+                        <a:rPr lang="tr-TR" dirty="0">
+                          <a:solidFill>
+                            <a:srgbClr val="000000"/>
+                          </a:solidFill>
+                        </a:rPr>
+                        <a:t>1a: Doktor giriş ekranında yanlış bilgi girer sistem hata mesajı verir.</a:t>
+                      </a:r>
+                    </a:p>
+                    <a:p>
+                      <a:endParaRPr lang="tr-TR" dirty="0">
+                        <a:solidFill>
+                          <a:srgbClr val="000000"/>
+                        </a:solidFill>
+                      </a:endParaRPr>
+                    </a:p>
+                  </a:txBody>
+                  <a:tcPr/>
+                </a:tc>
+                <a:extLst>
+                  <a:ext uri="{0D108BD9-81ED-4DB2-BD59-A6C34878D82A}">
+                    <a16:rowId xmlns:a16="http://schemas.microsoft.com/office/drawing/2014/main" val="863775012"/>
+                  </a:ext>
+                </a:extLst>
+              </a:tr>
+            </a:tbl>
+          </a:graphicData>
+        </a:graphic>
+      </p:graphicFrame>
     </p:spTree>
     <p:extLst>
       <p:ext uri="{BB962C8B-B14F-4D97-AF65-F5344CB8AC3E}">
@@ -4585,6 +5352,403 @@
           </a:p>
         </p:txBody>
       </p:sp>
+      <p:graphicFrame>
+        <p:nvGraphicFramePr>
+          <p:cNvPr id="4" name="Tablo 3">
+            <a:extLst>
+              <a:ext uri="{FF2B5EF4-FFF2-40B4-BE49-F238E27FC236}">
+                <a16:creationId xmlns:a16="http://schemas.microsoft.com/office/drawing/2014/main" id="{549BEB96-55F4-9AA3-CD4F-E7D9DC0825CF}"/>
+              </a:ext>
+            </a:extLst>
+          </p:cNvPr>
+          <p:cNvGraphicFramePr>
+            <a:graphicFrameLocks noGrp="1"/>
+          </p:cNvGraphicFramePr>
+          <p:nvPr>
+            <p:extLst>
+              <p:ext uri="{D42A27DB-BD31-4B8C-83A1-F6EECF244321}">
+                <p14:modId xmlns:p14="http://schemas.microsoft.com/office/powerpoint/2010/main" val="1168546809"/>
+              </p:ext>
+            </p:extLst>
+          </p:nvPr>
+        </p:nvGraphicFramePr>
+        <p:xfrm>
+          <a:off x="1028699" y="152399"/>
+          <a:ext cx="10848976" cy="6562725"/>
+        </p:xfrm>
+        <a:graphic>
+          <a:graphicData uri="http://schemas.openxmlformats.org/drawingml/2006/table">
+            <a:tbl>
+              <a:tblPr firstRow="1" bandRow="1">
+                <a:tableStyleId>{073A0DAA-6AF3-43AB-8588-CEC1D06C72B9}</a:tableStyleId>
+              </a:tblPr>
+              <a:tblGrid>
+                <a:gridCol w="1971676">
+                  <a:extLst>
+                    <a:ext uri="{9D8B030D-6E8A-4147-A177-3AD203B41FA5}">
+                      <a16:colId xmlns:a16="http://schemas.microsoft.com/office/drawing/2014/main" val="1669317243"/>
+                    </a:ext>
+                  </a:extLst>
+                </a:gridCol>
+                <a:gridCol w="8877300">
+                  <a:extLst>
+                    <a:ext uri="{9D8B030D-6E8A-4147-A177-3AD203B41FA5}">
+                      <a16:colId xmlns:a16="http://schemas.microsoft.com/office/drawing/2014/main" val="555838043"/>
+                    </a:ext>
+                  </a:extLst>
+                </a:gridCol>
+              </a:tblGrid>
+              <a:tr h="682959">
+                <a:tc>
+                  <a:txBody>
+                    <a:bodyPr/>
+                    <a:lstStyle/>
+                    <a:p>
+                      <a:pPr algn="ctr"/>
+                      <a:r>
+                        <a:rPr lang="tr-TR" dirty="0"/>
+                        <a:t>Senaryo KS1</a:t>
+                      </a:r>
+                    </a:p>
+                  </a:txBody>
+                  <a:tcPr/>
+                </a:tc>
+                <a:tc>
+                  <a:txBody>
+                    <a:bodyPr/>
+                    <a:lstStyle/>
+                    <a:p>
+                      <a:r>
+                        <a:rPr lang="tr-TR" dirty="0"/>
+                        <a:t>Sekreterin hastanede hastalara sıra vermesi</a:t>
+                      </a:r>
+                    </a:p>
+                  </a:txBody>
+                  <a:tcPr/>
+                </a:tc>
+                <a:extLst>
+                  <a:ext uri="{0D108BD9-81ED-4DB2-BD59-A6C34878D82A}">
+                    <a16:rowId xmlns:a16="http://schemas.microsoft.com/office/drawing/2014/main" val="1987928060"/>
+                  </a:ext>
+                </a:extLst>
+              </a:tr>
+              <a:tr h="979961">
+                <a:tc>
+                  <a:txBody>
+                    <a:bodyPr/>
+                    <a:lstStyle/>
+                    <a:p>
+                      <a:pPr algn="ctr"/>
+                      <a:r>
+                        <a:rPr lang="tr-TR" b="1" dirty="0">
+                          <a:solidFill>
+                            <a:srgbClr val="000000"/>
+                          </a:solidFill>
+                        </a:rPr>
+                        <a:t>Birinci Aktör</a:t>
+                      </a:r>
+                    </a:p>
+                  </a:txBody>
+                  <a:tcPr/>
+                </a:tc>
+                <a:tc>
+                  <a:txBody>
+                    <a:bodyPr/>
+                    <a:lstStyle/>
+                    <a:p>
+                      <a:r>
+                        <a:rPr lang="tr-TR" dirty="0">
+                          <a:solidFill>
+                            <a:srgbClr val="000000"/>
+                          </a:solidFill>
+                        </a:rPr>
+                        <a:t>Sekreter</a:t>
+                      </a:r>
+                    </a:p>
+                  </a:txBody>
+                  <a:tcPr/>
+                </a:tc>
+                <a:extLst>
+                  <a:ext uri="{0D108BD9-81ED-4DB2-BD59-A6C34878D82A}">
+                    <a16:rowId xmlns:a16="http://schemas.microsoft.com/office/drawing/2014/main" val="2379179207"/>
+                  </a:ext>
+                </a:extLst>
+              </a:tr>
+              <a:tr h="979961">
+                <a:tc>
+                  <a:txBody>
+                    <a:bodyPr/>
+                    <a:lstStyle/>
+                    <a:p>
+                      <a:pPr algn="ctr"/>
+                      <a:r>
+                        <a:rPr lang="tr-TR" b="1" dirty="0">
+                          <a:solidFill>
+                            <a:srgbClr val="000000"/>
+                          </a:solidFill>
+                        </a:rPr>
+                        <a:t>İlgililer ve Beklentileri</a:t>
+                      </a:r>
+                    </a:p>
+                  </a:txBody>
+                  <a:tcPr/>
+                </a:tc>
+                <a:tc>
+                  <a:txBody>
+                    <a:bodyPr/>
+                    <a:lstStyle/>
+                    <a:p>
+                      <a:pPr marL="0" marR="0" lvl="0" indent="0" algn="l" defTabSz="914400" rtl="0" eaLnBrk="1" fontAlgn="auto" latinLnBrk="0" hangingPunct="1">
+                        <a:lnSpc>
+                          <a:spcPct val="100000"/>
+                        </a:lnSpc>
+                        <a:spcBef>
+                          <a:spcPts val="0"/>
+                        </a:spcBef>
+                        <a:spcAft>
+                          <a:spcPts val="0"/>
+                        </a:spcAft>
+                        <a:buClrTx/>
+                        <a:buSzTx/>
+                        <a:buFontTx/>
+                        <a:buNone/>
+                        <a:tabLst/>
+                        <a:defRPr/>
+                      </a:pPr>
+                      <a:r>
+                        <a:rPr lang="tr-TR" dirty="0">
+                          <a:solidFill>
+                            <a:srgbClr val="000000"/>
+                          </a:solidFill>
+                        </a:rPr>
+                        <a:t>Hastane Sistemi: Doktorun bilgilerinin eksiksiz alınması.</a:t>
+                      </a:r>
+                    </a:p>
+                    <a:p>
+                      <a:r>
+                        <a:rPr lang="tr-TR" dirty="0">
+                          <a:solidFill>
+                            <a:srgbClr val="000000"/>
+                          </a:solidFill>
+                        </a:rPr>
+                        <a:t>Hasta: İstenilen doktora ve saate randevu verilmesi.</a:t>
+                      </a:r>
+                    </a:p>
+                  </a:txBody>
+                  <a:tcPr/>
+                </a:tc>
+                <a:extLst>
+                  <a:ext uri="{0D108BD9-81ED-4DB2-BD59-A6C34878D82A}">
+                    <a16:rowId xmlns:a16="http://schemas.microsoft.com/office/drawing/2014/main" val="3482619476"/>
+                  </a:ext>
+                </a:extLst>
+              </a:tr>
+              <a:tr h="979961">
+                <a:tc>
+                  <a:txBody>
+                    <a:bodyPr/>
+                    <a:lstStyle/>
+                    <a:p>
+                      <a:pPr algn="ctr"/>
+                      <a:r>
+                        <a:rPr lang="tr-TR" b="1" dirty="0">
+                          <a:solidFill>
+                            <a:srgbClr val="000000"/>
+                          </a:solidFill>
+                        </a:rPr>
+                        <a:t>Ön Koşullar</a:t>
+                      </a:r>
+                    </a:p>
+                  </a:txBody>
+                  <a:tcPr/>
+                </a:tc>
+                <a:tc>
+                  <a:txBody>
+                    <a:bodyPr/>
+                    <a:lstStyle/>
+                    <a:p>
+                      <a:r>
+                        <a:rPr lang="tr-TR" dirty="0">
+                          <a:solidFill>
+                            <a:srgbClr val="000000"/>
+                          </a:solidFill>
+                        </a:rPr>
+                        <a:t>Sekreter sisteme giriş yapmış olmalı.</a:t>
+                      </a:r>
+                    </a:p>
+                  </a:txBody>
+                  <a:tcPr/>
+                </a:tc>
+                <a:extLst>
+                  <a:ext uri="{0D108BD9-81ED-4DB2-BD59-A6C34878D82A}">
+                    <a16:rowId xmlns:a16="http://schemas.microsoft.com/office/drawing/2014/main" val="3454545301"/>
+                  </a:ext>
+                </a:extLst>
+              </a:tr>
+              <a:tr h="979961">
+                <a:tc>
+                  <a:txBody>
+                    <a:bodyPr/>
+                    <a:lstStyle/>
+                    <a:p>
+                      <a:pPr algn="ctr"/>
+                      <a:r>
+                        <a:rPr lang="tr-TR" b="1" dirty="0">
+                          <a:solidFill>
+                            <a:srgbClr val="000000"/>
+                          </a:solidFill>
+                        </a:rPr>
+                        <a:t>Son Koşullar</a:t>
+                      </a:r>
+                    </a:p>
+                  </a:txBody>
+                  <a:tcPr/>
+                </a:tc>
+                <a:tc>
+                  <a:txBody>
+                    <a:bodyPr/>
+                    <a:lstStyle/>
+                    <a:p>
+                      <a:r>
+                        <a:rPr lang="tr-TR" dirty="0">
+                          <a:solidFill>
+                            <a:srgbClr val="000000"/>
+                          </a:solidFill>
+                        </a:rPr>
+                        <a:t>Hastalara istenilen doktora ve saate randevu verilmelidir.</a:t>
+                      </a:r>
+                    </a:p>
+                  </a:txBody>
+                  <a:tcPr/>
+                </a:tc>
+                <a:extLst>
+                  <a:ext uri="{0D108BD9-81ED-4DB2-BD59-A6C34878D82A}">
+                    <a16:rowId xmlns:a16="http://schemas.microsoft.com/office/drawing/2014/main" val="2493980098"/>
+                  </a:ext>
+                </a:extLst>
+              </a:tr>
+              <a:tr h="979961">
+                <a:tc>
+                  <a:txBody>
+                    <a:bodyPr/>
+                    <a:lstStyle/>
+                    <a:p>
+                      <a:pPr algn="ctr"/>
+                      <a:r>
+                        <a:rPr lang="tr-TR" b="1" dirty="0">
+                          <a:solidFill>
+                            <a:srgbClr val="000000"/>
+                          </a:solidFill>
+                        </a:rPr>
+                        <a:t>Ana Akış</a:t>
+                      </a:r>
+                    </a:p>
+                  </a:txBody>
+                  <a:tcPr/>
+                </a:tc>
+                <a:tc>
+                  <a:txBody>
+                    <a:bodyPr/>
+                    <a:lstStyle/>
+                    <a:p>
+                      <a:r>
+                        <a:rPr lang="tr-TR" dirty="0">
+                          <a:solidFill>
+                            <a:srgbClr val="000000"/>
+                          </a:solidFill>
+                        </a:rPr>
+                        <a:t>1- Sekreter sisteme giriş yapar.</a:t>
+                      </a:r>
+                    </a:p>
+                    <a:p>
+                      <a:r>
+                        <a:rPr lang="tr-TR" dirty="0">
+                          <a:solidFill>
+                            <a:srgbClr val="000000"/>
+                          </a:solidFill>
+                        </a:rPr>
+                        <a:t>2- Hastaneye gelen hastalara istenilen doktora ve saate uygunsa sıra verir.</a:t>
+                      </a:r>
+                    </a:p>
+                  </a:txBody>
+                  <a:tcPr/>
+                </a:tc>
+                <a:extLst>
+                  <a:ext uri="{0D108BD9-81ED-4DB2-BD59-A6C34878D82A}">
+                    <a16:rowId xmlns:a16="http://schemas.microsoft.com/office/drawing/2014/main" val="3618636119"/>
+                  </a:ext>
+                </a:extLst>
+              </a:tr>
+              <a:tr h="979961">
+                <a:tc>
+                  <a:txBody>
+                    <a:bodyPr/>
+                    <a:lstStyle/>
+                    <a:p>
+                      <a:pPr algn="ctr"/>
+                      <a:r>
+                        <a:rPr lang="tr-TR" b="1" dirty="0">
+                          <a:solidFill>
+                            <a:srgbClr val="000000"/>
+                          </a:solidFill>
+                        </a:rPr>
+                        <a:t>Alternatif Akış</a:t>
+                      </a:r>
+                    </a:p>
+                  </a:txBody>
+                  <a:tcPr/>
+                </a:tc>
+                <a:tc>
+                  <a:txBody>
+                    <a:bodyPr/>
+                    <a:lstStyle/>
+                    <a:p>
+                      <a:pPr marL="0" marR="0" lvl="0" indent="0" algn="l" defTabSz="914400" rtl="0" eaLnBrk="1" fontAlgn="auto" latinLnBrk="0" hangingPunct="1">
+                        <a:lnSpc>
+                          <a:spcPct val="100000"/>
+                        </a:lnSpc>
+                        <a:spcBef>
+                          <a:spcPts val="0"/>
+                        </a:spcBef>
+                        <a:spcAft>
+                          <a:spcPts val="0"/>
+                        </a:spcAft>
+                        <a:buClrTx/>
+                        <a:buSzTx/>
+                        <a:buFontTx/>
+                        <a:buNone/>
+                        <a:tabLst/>
+                        <a:defRPr/>
+                      </a:pPr>
+                      <a:r>
+                        <a:rPr lang="tr-TR" dirty="0">
+                          <a:solidFill>
+                            <a:srgbClr val="000000"/>
+                          </a:solidFill>
+                        </a:rPr>
+                        <a:t>1a:Sekreter giriş ekranında yanlış bilgi girer sistem hata mesajı verir.</a:t>
+                      </a:r>
+                    </a:p>
+                    <a:p>
+                      <a:endParaRPr lang="tr-TR" dirty="0">
+                        <a:solidFill>
+                          <a:srgbClr val="000000"/>
+                        </a:solidFill>
+                      </a:endParaRPr>
+                    </a:p>
+                  </a:txBody>
+                  <a:tcPr/>
+                </a:tc>
+                <a:extLst>
+                  <a:ext uri="{0D108BD9-81ED-4DB2-BD59-A6C34878D82A}">
+                    <a16:rowId xmlns:a16="http://schemas.microsoft.com/office/drawing/2014/main" val="863775012"/>
+                  </a:ext>
+                </a:extLst>
+              </a:tr>
+            </a:tbl>
+          </a:graphicData>
+        </a:graphic>
+      </p:graphicFrame>
     </p:spTree>
     <p:extLst>
       <p:ext uri="{BB962C8B-B14F-4D97-AF65-F5344CB8AC3E}">
@@ -4797,6 +5961,481 @@
           </a:p>
         </p:txBody>
       </p:sp>
+      <p:graphicFrame>
+        <p:nvGraphicFramePr>
+          <p:cNvPr id="4" name="Tablo 3">
+            <a:extLst>
+              <a:ext uri="{FF2B5EF4-FFF2-40B4-BE49-F238E27FC236}">
+                <a16:creationId xmlns:a16="http://schemas.microsoft.com/office/drawing/2014/main" id="{C68C50C0-8500-CDCA-94BB-356DB71D1956}"/>
+              </a:ext>
+            </a:extLst>
+          </p:cNvPr>
+          <p:cNvGraphicFramePr>
+            <a:graphicFrameLocks noGrp="1"/>
+          </p:cNvGraphicFramePr>
+          <p:nvPr>
+            <p:extLst>
+              <p:ext uri="{D42A27DB-BD31-4B8C-83A1-F6EECF244321}">
+                <p14:modId xmlns:p14="http://schemas.microsoft.com/office/powerpoint/2010/main" val="2552794364"/>
+              </p:ext>
+            </p:extLst>
+          </p:nvPr>
+        </p:nvGraphicFramePr>
+        <p:xfrm>
+          <a:off x="1028699" y="152399"/>
+          <a:ext cx="10848976" cy="6562725"/>
+        </p:xfrm>
+        <a:graphic>
+          <a:graphicData uri="http://schemas.openxmlformats.org/drawingml/2006/table">
+            <a:tbl>
+              <a:tblPr firstRow="1" bandRow="1">
+                <a:tableStyleId>{073A0DAA-6AF3-43AB-8588-CEC1D06C72B9}</a:tableStyleId>
+              </a:tblPr>
+              <a:tblGrid>
+                <a:gridCol w="1971676">
+                  <a:extLst>
+                    <a:ext uri="{9D8B030D-6E8A-4147-A177-3AD203B41FA5}">
+                      <a16:colId xmlns:a16="http://schemas.microsoft.com/office/drawing/2014/main" val="1669317243"/>
+                    </a:ext>
+                  </a:extLst>
+                </a:gridCol>
+                <a:gridCol w="8877300">
+                  <a:extLst>
+                    <a:ext uri="{9D8B030D-6E8A-4147-A177-3AD203B41FA5}">
+                      <a16:colId xmlns:a16="http://schemas.microsoft.com/office/drawing/2014/main" val="555838043"/>
+                    </a:ext>
+                  </a:extLst>
+                </a:gridCol>
+              </a:tblGrid>
+              <a:tr h="682959">
+                <a:tc>
+                  <a:txBody>
+                    <a:bodyPr/>
+                    <a:lstStyle/>
+                    <a:p>
+                      <a:pPr algn="ctr"/>
+                      <a:r>
+                        <a:rPr lang="tr-TR" dirty="0"/>
+                        <a:t>Senaryo KS1</a:t>
+                      </a:r>
+                    </a:p>
+                  </a:txBody>
+                  <a:tcPr/>
+                </a:tc>
+                <a:tc>
+                  <a:txBody>
+                    <a:bodyPr/>
+                    <a:lstStyle/>
+                    <a:p>
+                      <a:r>
+                        <a:rPr lang="tr-TR" dirty="0"/>
+                        <a:t>Adminin doktor ve sekreter kontrolü</a:t>
+                      </a:r>
+                    </a:p>
+                  </a:txBody>
+                  <a:tcPr/>
+                </a:tc>
+                <a:extLst>
+                  <a:ext uri="{0D108BD9-81ED-4DB2-BD59-A6C34878D82A}">
+                    <a16:rowId xmlns:a16="http://schemas.microsoft.com/office/drawing/2014/main" val="1987928060"/>
+                  </a:ext>
+                </a:extLst>
+              </a:tr>
+              <a:tr h="979961">
+                <a:tc>
+                  <a:txBody>
+                    <a:bodyPr/>
+                    <a:lstStyle/>
+                    <a:p>
+                      <a:pPr algn="ctr"/>
+                      <a:r>
+                        <a:rPr lang="tr-TR" b="1">
+                          <a:solidFill>
+                            <a:srgbClr val="000000"/>
+                          </a:solidFill>
+                        </a:rPr>
+                        <a:t>Birinci Aktör</a:t>
+                      </a:r>
+                      <a:endParaRPr lang="tr-TR" b="1" dirty="0">
+                        <a:solidFill>
+                          <a:srgbClr val="000000"/>
+                        </a:solidFill>
+                      </a:endParaRPr>
+                    </a:p>
+                  </a:txBody>
+                  <a:tcPr/>
+                </a:tc>
+                <a:tc>
+                  <a:txBody>
+                    <a:bodyPr/>
+                    <a:lstStyle/>
+                    <a:p>
+                      <a:r>
+                        <a:rPr lang="tr-TR" dirty="0">
+                          <a:solidFill>
+                            <a:srgbClr val="000000"/>
+                          </a:solidFill>
+                        </a:rPr>
+                        <a:t>Admin</a:t>
+                      </a:r>
+                    </a:p>
+                  </a:txBody>
+                  <a:tcPr/>
+                </a:tc>
+                <a:extLst>
+                  <a:ext uri="{0D108BD9-81ED-4DB2-BD59-A6C34878D82A}">
+                    <a16:rowId xmlns:a16="http://schemas.microsoft.com/office/drawing/2014/main" val="2379179207"/>
+                  </a:ext>
+                </a:extLst>
+              </a:tr>
+              <a:tr h="979961">
+                <a:tc>
+                  <a:txBody>
+                    <a:bodyPr/>
+                    <a:lstStyle/>
+                    <a:p>
+                      <a:pPr algn="ctr"/>
+                      <a:r>
+                        <a:rPr lang="tr-TR" b="1">
+                          <a:solidFill>
+                            <a:srgbClr val="000000"/>
+                          </a:solidFill>
+                        </a:rPr>
+                        <a:t>İlgililer ve Beklentileri</a:t>
+                      </a:r>
+                      <a:endParaRPr lang="tr-TR" b="1" dirty="0">
+                        <a:solidFill>
+                          <a:srgbClr val="000000"/>
+                        </a:solidFill>
+                      </a:endParaRPr>
+                    </a:p>
+                  </a:txBody>
+                  <a:tcPr/>
+                </a:tc>
+                <a:tc>
+                  <a:txBody>
+                    <a:bodyPr/>
+                    <a:lstStyle/>
+                    <a:p>
+                      <a:pPr marL="0" marR="0" lvl="0" indent="0" algn="l" defTabSz="914400" rtl="0" eaLnBrk="1" fontAlgn="auto" latinLnBrk="0" hangingPunct="1">
+                        <a:lnSpc>
+                          <a:spcPct val="100000"/>
+                        </a:lnSpc>
+                        <a:spcBef>
+                          <a:spcPts val="0"/>
+                        </a:spcBef>
+                        <a:spcAft>
+                          <a:spcPts val="0"/>
+                        </a:spcAft>
+                        <a:buClrTx/>
+                        <a:buSzTx/>
+                        <a:buFontTx/>
+                        <a:buNone/>
+                        <a:tabLst/>
+                        <a:defRPr/>
+                      </a:pPr>
+                      <a:r>
+                        <a:rPr lang="tr-TR" dirty="0">
+                          <a:solidFill>
+                            <a:srgbClr val="000000"/>
+                          </a:solidFill>
+                        </a:rPr>
+                        <a:t>Hastane Sistemi: Adminin bilgilerinin eksiksiz alınması.</a:t>
+                      </a:r>
+                    </a:p>
+                    <a:p>
+                      <a:endParaRPr lang="tr-TR" dirty="0">
+                        <a:solidFill>
+                          <a:srgbClr val="000000"/>
+                        </a:solidFill>
+                      </a:endParaRPr>
+                    </a:p>
+                  </a:txBody>
+                  <a:tcPr/>
+                </a:tc>
+                <a:extLst>
+                  <a:ext uri="{0D108BD9-81ED-4DB2-BD59-A6C34878D82A}">
+                    <a16:rowId xmlns:a16="http://schemas.microsoft.com/office/drawing/2014/main" val="3482619476"/>
+                  </a:ext>
+                </a:extLst>
+              </a:tr>
+              <a:tr h="979961">
+                <a:tc>
+                  <a:txBody>
+                    <a:bodyPr/>
+                    <a:lstStyle/>
+                    <a:p>
+                      <a:pPr algn="ctr"/>
+                      <a:r>
+                        <a:rPr lang="tr-TR" b="1">
+                          <a:solidFill>
+                            <a:srgbClr val="000000"/>
+                          </a:solidFill>
+                        </a:rPr>
+                        <a:t>Ön Koşullar</a:t>
+                      </a:r>
+                      <a:endParaRPr lang="tr-TR" b="1" dirty="0">
+                        <a:solidFill>
+                          <a:srgbClr val="000000"/>
+                        </a:solidFill>
+                      </a:endParaRPr>
+                    </a:p>
+                  </a:txBody>
+                  <a:tcPr/>
+                </a:tc>
+                <a:tc>
+                  <a:txBody>
+                    <a:bodyPr/>
+                    <a:lstStyle/>
+                    <a:p>
+                      <a:pPr marL="0" marR="0" lvl="0" indent="0" algn="l" defTabSz="914400" rtl="0" eaLnBrk="1" fontAlgn="auto" latinLnBrk="0" hangingPunct="1">
+                        <a:lnSpc>
+                          <a:spcPct val="100000"/>
+                        </a:lnSpc>
+                        <a:spcBef>
+                          <a:spcPts val="0"/>
+                        </a:spcBef>
+                        <a:spcAft>
+                          <a:spcPts val="0"/>
+                        </a:spcAft>
+                        <a:buClrTx/>
+                        <a:buSzTx/>
+                        <a:buFontTx/>
+                        <a:buNone/>
+                        <a:tabLst/>
+                        <a:defRPr/>
+                      </a:pPr>
+                      <a:r>
+                        <a:rPr lang="tr-TR" dirty="0">
+                          <a:solidFill>
+                            <a:srgbClr val="000000"/>
+                          </a:solidFill>
+                        </a:rPr>
+                        <a:t>Admin sisteme giriş yapmış olmalı.</a:t>
+                      </a:r>
+                    </a:p>
+                    <a:p>
+                      <a:endParaRPr lang="tr-TR" dirty="0">
+                        <a:solidFill>
+                          <a:srgbClr val="000000"/>
+                        </a:solidFill>
+                      </a:endParaRPr>
+                    </a:p>
+                  </a:txBody>
+                  <a:tcPr/>
+                </a:tc>
+                <a:extLst>
+                  <a:ext uri="{0D108BD9-81ED-4DB2-BD59-A6C34878D82A}">
+                    <a16:rowId xmlns:a16="http://schemas.microsoft.com/office/drawing/2014/main" val="3454545301"/>
+                  </a:ext>
+                </a:extLst>
+              </a:tr>
+              <a:tr h="979961">
+                <a:tc>
+                  <a:txBody>
+                    <a:bodyPr/>
+                    <a:lstStyle/>
+                    <a:p>
+                      <a:pPr algn="ctr"/>
+                      <a:r>
+                        <a:rPr lang="tr-TR" b="1">
+                          <a:solidFill>
+                            <a:srgbClr val="000000"/>
+                          </a:solidFill>
+                        </a:rPr>
+                        <a:t>Son Koşullar</a:t>
+                      </a:r>
+                      <a:endParaRPr lang="tr-TR" b="1" dirty="0">
+                        <a:solidFill>
+                          <a:srgbClr val="000000"/>
+                        </a:solidFill>
+                      </a:endParaRPr>
+                    </a:p>
+                  </a:txBody>
+                  <a:tcPr/>
+                </a:tc>
+                <a:tc>
+                  <a:txBody>
+                    <a:bodyPr/>
+                    <a:lstStyle/>
+                    <a:p>
+                      <a:r>
+                        <a:rPr lang="tr-TR" dirty="0">
+                          <a:solidFill>
+                            <a:srgbClr val="000000"/>
+                          </a:solidFill>
+                        </a:rPr>
+                        <a:t>Gerekli doktor ve sekreter ekle, sil işlemlerini yapmalıdır.</a:t>
+                      </a:r>
+                    </a:p>
+                  </a:txBody>
+                  <a:tcPr/>
+                </a:tc>
+                <a:extLst>
+                  <a:ext uri="{0D108BD9-81ED-4DB2-BD59-A6C34878D82A}">
+                    <a16:rowId xmlns:a16="http://schemas.microsoft.com/office/drawing/2014/main" val="2493980098"/>
+                  </a:ext>
+                </a:extLst>
+              </a:tr>
+              <a:tr h="979961">
+                <a:tc>
+                  <a:txBody>
+                    <a:bodyPr/>
+                    <a:lstStyle/>
+                    <a:p>
+                      <a:pPr algn="ctr"/>
+                      <a:r>
+                        <a:rPr lang="tr-TR" b="1">
+                          <a:solidFill>
+                            <a:srgbClr val="000000"/>
+                          </a:solidFill>
+                        </a:rPr>
+                        <a:t>Ana Akış</a:t>
+                      </a:r>
+                      <a:endParaRPr lang="tr-TR" b="1" dirty="0">
+                        <a:solidFill>
+                          <a:srgbClr val="000000"/>
+                        </a:solidFill>
+                      </a:endParaRPr>
+                    </a:p>
+                  </a:txBody>
+                  <a:tcPr/>
+                </a:tc>
+                <a:tc>
+                  <a:txBody>
+                    <a:bodyPr/>
+                    <a:lstStyle/>
+                    <a:p>
+                      <a:pPr marL="0" marR="0" lvl="0" indent="0" algn="l" defTabSz="914400" rtl="0" eaLnBrk="1" fontAlgn="auto" latinLnBrk="0" hangingPunct="1">
+                        <a:lnSpc>
+                          <a:spcPct val="100000"/>
+                        </a:lnSpc>
+                        <a:spcBef>
+                          <a:spcPts val="0"/>
+                        </a:spcBef>
+                        <a:spcAft>
+                          <a:spcPts val="0"/>
+                        </a:spcAft>
+                        <a:buClrTx/>
+                        <a:buSzTx/>
+                        <a:buFontTx/>
+                        <a:buNone/>
+                        <a:tabLst/>
+                        <a:defRPr/>
+                      </a:pPr>
+                      <a:r>
+                        <a:rPr lang="tr-TR" dirty="0">
+                          <a:solidFill>
+                            <a:srgbClr val="000000"/>
+                          </a:solidFill>
+                        </a:rPr>
+                        <a:t>1- Admin sisteme giriş yapar.</a:t>
+                      </a:r>
+                    </a:p>
+                    <a:p>
+                      <a:r>
+                        <a:rPr lang="tr-TR" dirty="0">
+                          <a:solidFill>
+                            <a:srgbClr val="000000"/>
+                          </a:solidFill>
+                        </a:rPr>
+                        <a:t>2- Gerekli doktor ekle, sil işlemlerini yapar.</a:t>
+                      </a:r>
+                    </a:p>
+                    <a:p>
+                      <a:r>
+                        <a:rPr lang="tr-TR" dirty="0">
+                          <a:solidFill>
+                            <a:srgbClr val="000000"/>
+                          </a:solidFill>
+                        </a:rPr>
+                        <a:t>3- Doktorların muayene sayılarını ve değerlendirilmelerini görür.</a:t>
+                      </a:r>
+                    </a:p>
+                  </a:txBody>
+                  <a:tcPr/>
+                </a:tc>
+                <a:extLst>
+                  <a:ext uri="{0D108BD9-81ED-4DB2-BD59-A6C34878D82A}">
+                    <a16:rowId xmlns:a16="http://schemas.microsoft.com/office/drawing/2014/main" val="3618636119"/>
+                  </a:ext>
+                </a:extLst>
+              </a:tr>
+              <a:tr h="979961">
+                <a:tc>
+                  <a:txBody>
+                    <a:bodyPr/>
+                    <a:lstStyle/>
+                    <a:p>
+                      <a:pPr algn="ctr"/>
+                      <a:r>
+                        <a:rPr lang="tr-TR" b="1">
+                          <a:solidFill>
+                            <a:srgbClr val="000000"/>
+                          </a:solidFill>
+                        </a:rPr>
+                        <a:t>Alternatif Akış</a:t>
+                      </a:r>
+                      <a:endParaRPr lang="tr-TR" b="1" dirty="0">
+                        <a:solidFill>
+                          <a:srgbClr val="000000"/>
+                        </a:solidFill>
+                      </a:endParaRPr>
+                    </a:p>
+                  </a:txBody>
+                  <a:tcPr/>
+                </a:tc>
+                <a:tc>
+                  <a:txBody>
+                    <a:bodyPr/>
+                    <a:lstStyle/>
+                    <a:p>
+                      <a:pPr marL="0" marR="0" lvl="0" indent="0" algn="l" defTabSz="914400" rtl="0" eaLnBrk="1" fontAlgn="auto" latinLnBrk="0" hangingPunct="1">
+                        <a:lnSpc>
+                          <a:spcPct val="100000"/>
+                        </a:lnSpc>
+                        <a:spcBef>
+                          <a:spcPts val="0"/>
+                        </a:spcBef>
+                        <a:spcAft>
+                          <a:spcPts val="0"/>
+                        </a:spcAft>
+                        <a:buClrTx/>
+                        <a:buSzTx/>
+                        <a:buFontTx/>
+                        <a:buNone/>
+                        <a:tabLst/>
+                        <a:defRPr/>
+                      </a:pPr>
+                      <a:r>
+                        <a:rPr lang="tr-TR" dirty="0">
+                          <a:solidFill>
+                            <a:srgbClr val="000000"/>
+                          </a:solidFill>
+                        </a:rPr>
+                        <a:t>1a:Admin giriş ekranında yanlış bilgi girer sistem hata mesajı verir.</a:t>
+                      </a:r>
+                    </a:p>
+                    <a:p>
+                      <a:endParaRPr lang="tr-TR" dirty="0">
+                        <a:solidFill>
+                          <a:srgbClr val="000000"/>
+                        </a:solidFill>
+                      </a:endParaRPr>
+                    </a:p>
+                  </a:txBody>
+                  <a:tcPr/>
+                </a:tc>
+                <a:extLst>
+                  <a:ext uri="{0D108BD9-81ED-4DB2-BD59-A6C34878D82A}">
+                    <a16:rowId xmlns:a16="http://schemas.microsoft.com/office/drawing/2014/main" val="863775012"/>
+                  </a:ext>
+                </a:extLst>
+              </a:tr>
+            </a:tbl>
+          </a:graphicData>
+        </a:graphic>
+      </p:graphicFrame>
     </p:spTree>
     <p:extLst>
       <p:ext uri="{BB962C8B-B14F-4D97-AF65-F5344CB8AC3E}">

--- a/HospitalManagementSystemSunum.pptx
+++ b/HospitalManagementSystemSunum.pptx
@@ -22,6 +22,7 @@
     <p:sldId id="271" r:id="rId16"/>
     <p:sldId id="268" r:id="rId17"/>
     <p:sldId id="272" r:id="rId18"/>
+    <p:sldId id="273" r:id="rId19"/>
   </p:sldIdLst>
   <p:sldSz cx="12192000" cy="6858000"/>
   <p:notesSz cx="6858000" cy="9144000"/>
@@ -297,7 +298,7 @@
           <a:p>
             <a:fld id="{91899FAB-DE70-42E0-BC2B-1E77CC51F114}" type="datetimeFigureOut">
               <a:rPr lang="tr-TR" smtClean="0"/>
-              <a:t>25.03.2024</a:t>
+              <a:t>26.03.2024</a:t>
             </a:fld>
             <a:endParaRPr lang="tr-TR"/>
           </a:p>
@@ -627,7 +628,7 @@
           <a:p>
             <a:fld id="{91899FAB-DE70-42E0-BC2B-1E77CC51F114}" type="datetimeFigureOut">
               <a:rPr lang="tr-TR" smtClean="0"/>
-              <a:t>25.03.2024</a:t>
+              <a:t>26.03.2024</a:t>
             </a:fld>
             <a:endParaRPr lang="tr-TR"/>
           </a:p>
@@ -807,7 +808,7 @@
           <a:p>
             <a:fld id="{91899FAB-DE70-42E0-BC2B-1E77CC51F114}" type="datetimeFigureOut">
               <a:rPr lang="tr-TR" smtClean="0"/>
-              <a:t>25.03.2024</a:t>
+              <a:t>26.03.2024</a:t>
             </a:fld>
             <a:endParaRPr lang="tr-TR"/>
           </a:p>
@@ -977,7 +978,7 @@
           <a:p>
             <a:fld id="{91899FAB-DE70-42E0-BC2B-1E77CC51F114}" type="datetimeFigureOut">
               <a:rPr lang="tr-TR" smtClean="0"/>
-              <a:t>25.03.2024</a:t>
+              <a:t>26.03.2024</a:t>
             </a:fld>
             <a:endParaRPr lang="tr-TR"/>
           </a:p>
@@ -1254,7 +1255,7 @@
           <a:p>
             <a:fld id="{91899FAB-DE70-42E0-BC2B-1E77CC51F114}" type="datetimeFigureOut">
               <a:rPr lang="tr-TR" smtClean="0"/>
-              <a:t>25.03.2024</a:t>
+              <a:t>26.03.2024</a:t>
             </a:fld>
             <a:endParaRPr lang="tr-TR"/>
           </a:p>
@@ -1648,7 +1649,7 @@
           <a:p>
             <a:fld id="{91899FAB-DE70-42E0-BC2B-1E77CC51F114}" type="datetimeFigureOut">
               <a:rPr lang="tr-TR" smtClean="0"/>
-              <a:t>25.03.2024</a:t>
+              <a:t>26.03.2024</a:t>
             </a:fld>
             <a:endParaRPr lang="tr-TR"/>
           </a:p>
@@ -2125,7 +2126,7 @@
           <a:p>
             <a:fld id="{91899FAB-DE70-42E0-BC2B-1E77CC51F114}" type="datetimeFigureOut">
               <a:rPr lang="tr-TR" smtClean="0"/>
-              <a:t>25.03.2024</a:t>
+              <a:t>26.03.2024</a:t>
             </a:fld>
             <a:endParaRPr lang="tr-TR"/>
           </a:p>
@@ -2243,7 +2244,7 @@
           <a:p>
             <a:fld id="{91899FAB-DE70-42E0-BC2B-1E77CC51F114}" type="datetimeFigureOut">
               <a:rPr lang="tr-TR" smtClean="0"/>
-              <a:t>25.03.2024</a:t>
+              <a:t>26.03.2024</a:t>
             </a:fld>
             <a:endParaRPr lang="tr-TR"/>
           </a:p>
@@ -2338,7 +2339,7 @@
           <a:p>
             <a:fld id="{91899FAB-DE70-42E0-BC2B-1E77CC51F114}" type="datetimeFigureOut">
               <a:rPr lang="tr-TR" smtClean="0"/>
-              <a:t>25.03.2024</a:t>
+              <a:t>26.03.2024</a:t>
             </a:fld>
             <a:endParaRPr lang="tr-TR"/>
           </a:p>
@@ -2684,7 +2685,7 @@
           <a:p>
             <a:fld id="{91899FAB-DE70-42E0-BC2B-1E77CC51F114}" type="datetimeFigureOut">
               <a:rPr lang="tr-TR" smtClean="0"/>
-              <a:t>25.03.2024</a:t>
+              <a:t>26.03.2024</a:t>
             </a:fld>
             <a:endParaRPr lang="tr-TR"/>
           </a:p>
@@ -3072,7 +3073,7 @@
           <a:p>
             <a:fld id="{91899FAB-DE70-42E0-BC2B-1E77CC51F114}" type="datetimeFigureOut">
               <a:rPr lang="tr-TR" smtClean="0"/>
-              <a:t>25.03.2024</a:t>
+              <a:t>26.03.2024</a:t>
             </a:fld>
             <a:endParaRPr lang="tr-TR"/>
           </a:p>
@@ -3350,7 +3351,7 @@
           <a:p>
             <a:fld id="{91899FAB-DE70-42E0-BC2B-1E77CC51F114}" type="datetimeFigureOut">
               <a:rPr lang="tr-TR" smtClean="0"/>
-              <a:t>25.03.2024</a:t>
+              <a:t>26.03.2024</a:t>
             </a:fld>
             <a:endParaRPr lang="tr-TR"/>
           </a:p>
@@ -4027,21 +4028,8 @@
                   <a:srgbClr val="000000"/>
                 </a:solidFill>
               </a:rPr>
-              <a:t>-Case </a:t>
-            </a:r>
-            <a:r>
-              <a:rPr lang="tr-TR" b="1" dirty="0" err="1">
-                <a:solidFill>
-                  <a:srgbClr val="000000"/>
-                </a:solidFill>
-              </a:rPr>
-              <a:t>Diagramı</a:t>
-            </a:r>
-            <a:endParaRPr lang="tr-TR" b="1" dirty="0">
-              <a:solidFill>
-                <a:srgbClr val="000000"/>
-              </a:solidFill>
-            </a:endParaRPr>
+              <a:t>-Case Diyagramı</a:t>
+            </a:r>
           </a:p>
         </p:txBody>
       </p:sp>
@@ -4575,21 +4563,8 @@
                   <a:srgbClr val="000000"/>
                 </a:solidFill>
               </a:rPr>
-              <a:t>-Case </a:t>
-            </a:r>
-            <a:r>
-              <a:rPr lang="tr-TR" b="1" dirty="0" err="1">
-                <a:solidFill>
-                  <a:srgbClr val="000000"/>
-                </a:solidFill>
-              </a:rPr>
-              <a:t>Diagramı</a:t>
-            </a:r>
-            <a:endParaRPr lang="tr-TR" b="1" dirty="0">
-              <a:solidFill>
-                <a:srgbClr val="000000"/>
-              </a:solidFill>
-            </a:endParaRPr>
+              <a:t>-Case Diyagramı</a:t>
+            </a:r>
           </a:p>
         </p:txBody>
       </p:sp>
@@ -5218,21 +5193,8 @@
                   <a:srgbClr val="000000"/>
                 </a:solidFill>
               </a:rPr>
-              <a:t>-Case </a:t>
-            </a:r>
-            <a:r>
-              <a:rPr lang="tr-TR" b="1" dirty="0" err="1">
-                <a:solidFill>
-                  <a:srgbClr val="000000"/>
-                </a:solidFill>
-              </a:rPr>
-              <a:t>Diagramı</a:t>
-            </a:r>
-            <a:endParaRPr lang="tr-TR" b="1" dirty="0">
-              <a:solidFill>
-                <a:srgbClr val="000000"/>
-              </a:solidFill>
-            </a:endParaRPr>
+              <a:t>-Case Diyagramı</a:t>
+            </a:r>
           </a:p>
         </p:txBody>
       </p:sp>
@@ -5367,7 +5329,7 @@
           <p:nvPr>
             <p:extLst>
               <p:ext uri="{D42A27DB-BD31-4B8C-83A1-F6EECF244321}">
-                <p14:modId xmlns:p14="http://schemas.microsoft.com/office/powerpoint/2010/main" val="1168546809"/>
+                <p14:modId xmlns:p14="http://schemas.microsoft.com/office/powerpoint/2010/main" val="2684512434"/>
               </p:ext>
             </p:extLst>
           </p:nvPr>
@@ -5407,7 +5369,7 @@
                       <a:pPr algn="ctr"/>
                       <a:r>
                         <a:rPr lang="tr-TR" dirty="0"/>
-                        <a:t>Senaryo KS1</a:t>
+                        <a:t>Senaryo KS3</a:t>
                       </a:r>
                     </a:p>
                   </a:txBody>
@@ -5827,21 +5789,8 @@
                   <a:srgbClr val="000000"/>
                 </a:solidFill>
               </a:rPr>
-              <a:t>-Case </a:t>
-            </a:r>
-            <a:r>
-              <a:rPr lang="tr-TR" b="1" dirty="0" err="1">
-                <a:solidFill>
-                  <a:srgbClr val="000000"/>
-                </a:solidFill>
-              </a:rPr>
-              <a:t>Diagramı</a:t>
-            </a:r>
-            <a:endParaRPr lang="tr-TR" b="1" dirty="0">
-              <a:solidFill>
-                <a:srgbClr val="000000"/>
-              </a:solidFill>
-            </a:endParaRPr>
+              <a:t>-Case Diyagramı</a:t>
+            </a:r>
           </a:p>
         </p:txBody>
       </p:sp>
@@ -5976,7 +5925,7 @@
           <p:nvPr>
             <p:extLst>
               <p:ext uri="{D42A27DB-BD31-4B8C-83A1-F6EECF244321}">
-                <p14:modId xmlns:p14="http://schemas.microsoft.com/office/powerpoint/2010/main" val="2552794364"/>
+                <p14:modId xmlns:p14="http://schemas.microsoft.com/office/powerpoint/2010/main" val="1721117902"/>
               </p:ext>
             </p:extLst>
           </p:nvPr>
@@ -6016,7 +5965,7 @@
                       <a:pPr algn="ctr"/>
                       <a:r>
                         <a:rPr lang="tr-TR" dirty="0"/>
-                        <a:t>Senaryo KS1</a:t>
+                        <a:t>Senaryo KS4</a:t>
                       </a:r>
                     </a:p>
                   </a:txBody>
@@ -6449,6 +6398,108 @@
 </p:sld>
 </file>
 
+<file path=ppt/slides/slide18.xml><?xml version="1.0" encoding="utf-8"?>
+<p:sld xmlns:a="http://schemas.openxmlformats.org/drawingml/2006/main" xmlns:r="http://schemas.openxmlformats.org/officeDocument/2006/relationships" xmlns:p="http://schemas.openxmlformats.org/presentationml/2006/main">
+  <p:cSld>
+    <p:spTree>
+      <p:nvGrpSpPr>
+        <p:cNvPr id="1" name=""/>
+        <p:cNvGrpSpPr/>
+        <p:nvPr/>
+      </p:nvGrpSpPr>
+      <p:grpSpPr>
+        <a:xfrm>
+          <a:off x="0" y="0"/>
+          <a:ext cx="0" cy="0"/>
+          <a:chOff x="0" y="0"/>
+          <a:chExt cx="0" cy="0"/>
+        </a:xfrm>
+      </p:grpSpPr>
+      <p:pic>
+        <p:nvPicPr>
+          <p:cNvPr id="13" name="İçerik Yer Tutucusu 12" descr="metin, diyagram, yazı tipi, ekran görüntüsü içeren bir resim&#10;&#10;Açıklama otomatik olarak oluşturuldu">
+            <a:extLst>
+              <a:ext uri="{FF2B5EF4-FFF2-40B4-BE49-F238E27FC236}">
+                <a16:creationId xmlns:a16="http://schemas.microsoft.com/office/drawing/2014/main" id="{D242AEF0-7AEF-969E-3EBB-AAFC8100572D}"/>
+              </a:ext>
+            </a:extLst>
+          </p:cNvPr>
+          <p:cNvPicPr>
+            <a:picLocks noGrp="1" noChangeAspect="1"/>
+          </p:cNvPicPr>
+          <p:nvPr>
+            <p:ph idx="1"/>
+          </p:nvPr>
+        </p:nvPicPr>
+        <p:blipFill>
+          <a:blip r:embed="rId2">
+            <a:extLst>
+              <a:ext uri="{28A0092B-C50C-407E-A947-70E740481C1C}">
+                <a14:useLocalDpi xmlns:a14="http://schemas.microsoft.com/office/drawing/2010/main" val="0"/>
+              </a:ext>
+            </a:extLst>
+          </a:blip>
+          <a:stretch>
+            <a:fillRect/>
+          </a:stretch>
+        </p:blipFill>
+        <p:spPr>
+          <a:xfrm>
+            <a:off x="1616205" y="1023021"/>
+            <a:ext cx="8959590" cy="5640426"/>
+          </a:xfrm>
+        </p:spPr>
+      </p:pic>
+      <p:sp>
+        <p:nvSpPr>
+          <p:cNvPr id="14" name="Başlık 1">
+            <a:extLst>
+              <a:ext uri="{FF2B5EF4-FFF2-40B4-BE49-F238E27FC236}">
+                <a16:creationId xmlns:a16="http://schemas.microsoft.com/office/drawing/2014/main" id="{722BC97B-58C0-0210-6060-F58AB6AE958E}"/>
+              </a:ext>
+            </a:extLst>
+          </p:cNvPr>
+          <p:cNvSpPr>
+            <a:spLocks noGrp="1"/>
+          </p:cNvSpPr>
+          <p:nvPr>
+            <p:ph type="title"/>
+          </p:nvPr>
+        </p:nvSpPr>
+        <p:spPr>
+          <a:xfrm>
+            <a:off x="769450" y="83226"/>
+            <a:ext cx="11029616" cy="1013800"/>
+          </a:xfrm>
+        </p:spPr>
+        <p:txBody>
+          <a:bodyPr/>
+          <a:lstStyle/>
+          <a:p>
+            <a:r>
+              <a:rPr lang="tr-TR" b="1" dirty="0">
+                <a:solidFill>
+                  <a:srgbClr val="000000"/>
+                </a:solidFill>
+              </a:rPr>
+              <a:t>Sınıf Diyagramı</a:t>
+            </a:r>
+          </a:p>
+        </p:txBody>
+      </p:sp>
+    </p:spTree>
+    <p:extLst>
+      <p:ext uri="{BB962C8B-B14F-4D97-AF65-F5344CB8AC3E}">
+        <p14:creationId xmlns:p14="http://schemas.microsoft.com/office/powerpoint/2010/main" val="708519338"/>
+      </p:ext>
+    </p:extLst>
+  </p:cSld>
+  <p:clrMapOvr>
+    <a:masterClrMapping/>
+  </p:clrMapOvr>
+</p:sld>
+</file>
+
 <file path=ppt/slides/slide2.xml><?xml version="1.0" encoding="utf-8"?>
 <p:sld xmlns:a="http://schemas.openxmlformats.org/drawingml/2006/main" xmlns:r="http://schemas.openxmlformats.org/officeDocument/2006/relationships" xmlns:p="http://schemas.openxmlformats.org/presentationml/2006/main">
   <p:cSld>

--- a/HospitalManagementSystemSunum.pptx
+++ b/HospitalManagementSystemSunum.pptx
@@ -23,6 +23,11 @@
     <p:sldId id="268" r:id="rId17"/>
     <p:sldId id="272" r:id="rId18"/>
     <p:sldId id="273" r:id="rId19"/>
+    <p:sldId id="274" r:id="rId20"/>
+    <p:sldId id="275" r:id="rId21"/>
+    <p:sldId id="276" r:id="rId22"/>
+    <p:sldId id="277" r:id="rId23"/>
+    <p:sldId id="278" r:id="rId24"/>
   </p:sldIdLst>
   <p:sldSz cx="12192000" cy="6858000"/>
   <p:notesSz cx="6858000" cy="9144000"/>
@@ -298,7 +303,7 @@
           <a:p>
             <a:fld id="{91899FAB-DE70-42E0-BC2B-1E77CC51F114}" type="datetimeFigureOut">
               <a:rPr lang="tr-TR" smtClean="0"/>
-              <a:t>26.03.2024</a:t>
+              <a:t>27.03.2024</a:t>
             </a:fld>
             <a:endParaRPr lang="tr-TR"/>
           </a:p>
@@ -628,7 +633,7 @@
           <a:p>
             <a:fld id="{91899FAB-DE70-42E0-BC2B-1E77CC51F114}" type="datetimeFigureOut">
               <a:rPr lang="tr-TR" smtClean="0"/>
-              <a:t>26.03.2024</a:t>
+              <a:t>27.03.2024</a:t>
             </a:fld>
             <a:endParaRPr lang="tr-TR"/>
           </a:p>
@@ -808,7 +813,7 @@
           <a:p>
             <a:fld id="{91899FAB-DE70-42E0-BC2B-1E77CC51F114}" type="datetimeFigureOut">
               <a:rPr lang="tr-TR" smtClean="0"/>
-              <a:t>26.03.2024</a:t>
+              <a:t>27.03.2024</a:t>
             </a:fld>
             <a:endParaRPr lang="tr-TR"/>
           </a:p>
@@ -978,7 +983,7 @@
           <a:p>
             <a:fld id="{91899FAB-DE70-42E0-BC2B-1E77CC51F114}" type="datetimeFigureOut">
               <a:rPr lang="tr-TR" smtClean="0"/>
-              <a:t>26.03.2024</a:t>
+              <a:t>27.03.2024</a:t>
             </a:fld>
             <a:endParaRPr lang="tr-TR"/>
           </a:p>
@@ -1255,7 +1260,7 @@
           <a:p>
             <a:fld id="{91899FAB-DE70-42E0-BC2B-1E77CC51F114}" type="datetimeFigureOut">
               <a:rPr lang="tr-TR" smtClean="0"/>
-              <a:t>26.03.2024</a:t>
+              <a:t>27.03.2024</a:t>
             </a:fld>
             <a:endParaRPr lang="tr-TR"/>
           </a:p>
@@ -1649,7 +1654,7 @@
           <a:p>
             <a:fld id="{91899FAB-DE70-42E0-BC2B-1E77CC51F114}" type="datetimeFigureOut">
               <a:rPr lang="tr-TR" smtClean="0"/>
-              <a:t>26.03.2024</a:t>
+              <a:t>27.03.2024</a:t>
             </a:fld>
             <a:endParaRPr lang="tr-TR"/>
           </a:p>
@@ -2126,7 +2131,7 @@
           <a:p>
             <a:fld id="{91899FAB-DE70-42E0-BC2B-1E77CC51F114}" type="datetimeFigureOut">
               <a:rPr lang="tr-TR" smtClean="0"/>
-              <a:t>26.03.2024</a:t>
+              <a:t>27.03.2024</a:t>
             </a:fld>
             <a:endParaRPr lang="tr-TR"/>
           </a:p>
@@ -2244,7 +2249,7 @@
           <a:p>
             <a:fld id="{91899FAB-DE70-42E0-BC2B-1E77CC51F114}" type="datetimeFigureOut">
               <a:rPr lang="tr-TR" smtClean="0"/>
-              <a:t>26.03.2024</a:t>
+              <a:t>27.03.2024</a:t>
             </a:fld>
             <a:endParaRPr lang="tr-TR"/>
           </a:p>
@@ -2339,7 +2344,7 @@
           <a:p>
             <a:fld id="{91899FAB-DE70-42E0-BC2B-1E77CC51F114}" type="datetimeFigureOut">
               <a:rPr lang="tr-TR" smtClean="0"/>
-              <a:t>26.03.2024</a:t>
+              <a:t>27.03.2024</a:t>
             </a:fld>
             <a:endParaRPr lang="tr-TR"/>
           </a:p>
@@ -2685,7 +2690,7 @@
           <a:p>
             <a:fld id="{91899FAB-DE70-42E0-BC2B-1E77CC51F114}" type="datetimeFigureOut">
               <a:rPr lang="tr-TR" smtClean="0"/>
-              <a:t>26.03.2024</a:t>
+              <a:t>27.03.2024</a:t>
             </a:fld>
             <a:endParaRPr lang="tr-TR"/>
           </a:p>
@@ -3073,7 +3078,7 @@
           <a:p>
             <a:fld id="{91899FAB-DE70-42E0-BC2B-1E77CC51F114}" type="datetimeFigureOut">
               <a:rPr lang="tr-TR" smtClean="0"/>
-              <a:t>26.03.2024</a:t>
+              <a:t>27.03.2024</a:t>
             </a:fld>
             <a:endParaRPr lang="tr-TR"/>
           </a:p>
@@ -3351,7 +3356,7 @@
           <a:p>
             <a:fld id="{91899FAB-DE70-42E0-BC2B-1E77CC51F114}" type="datetimeFigureOut">
               <a:rPr lang="tr-TR" smtClean="0"/>
-              <a:t>26.03.2024</a:t>
+              <a:t>27.03.2024</a:t>
             </a:fld>
             <a:endParaRPr lang="tr-TR"/>
           </a:p>
@@ -6415,12 +6420,49 @@
           <a:chExt cx="0" cy="0"/>
         </a:xfrm>
       </p:grpSpPr>
+      <p:sp>
+        <p:nvSpPr>
+          <p:cNvPr id="14" name="Başlık 1">
+            <a:extLst>
+              <a:ext uri="{FF2B5EF4-FFF2-40B4-BE49-F238E27FC236}">
+                <a16:creationId xmlns:a16="http://schemas.microsoft.com/office/drawing/2014/main" id="{722BC97B-58C0-0210-6060-F58AB6AE958E}"/>
+              </a:ext>
+            </a:extLst>
+          </p:cNvPr>
+          <p:cNvSpPr>
+            <a:spLocks noGrp="1"/>
+          </p:cNvSpPr>
+          <p:nvPr>
+            <p:ph type="title"/>
+          </p:nvPr>
+        </p:nvSpPr>
+        <p:spPr>
+          <a:xfrm>
+            <a:off x="769450" y="83226"/>
+            <a:ext cx="11029616" cy="1013800"/>
+          </a:xfrm>
+        </p:spPr>
+        <p:txBody>
+          <a:bodyPr/>
+          <a:lstStyle/>
+          <a:p>
+            <a:r>
+              <a:rPr lang="tr-TR" b="1" dirty="0">
+                <a:solidFill>
+                  <a:srgbClr val="000000"/>
+                </a:solidFill>
+              </a:rPr>
+              <a:t>Sınıf Diyagramı</a:t>
+            </a:r>
+          </a:p>
+        </p:txBody>
+      </p:sp>
       <p:pic>
         <p:nvPicPr>
-          <p:cNvPr id="13" name="İçerik Yer Tutucusu 12" descr="metin, diyagram, yazı tipi, ekran görüntüsü içeren bir resim&#10;&#10;Açıklama otomatik olarak oluşturuldu">
+          <p:cNvPr id="5" name="İçerik Yer Tutucusu 4" descr="metin, ekran görüntüsü, çizgi, yazı tipi içeren bir resim&#10;&#10;Açıklama otomatik olarak oluşturuldu">
             <a:extLst>
               <a:ext uri="{FF2B5EF4-FFF2-40B4-BE49-F238E27FC236}">
-                <a16:creationId xmlns:a16="http://schemas.microsoft.com/office/drawing/2014/main" id="{D242AEF0-7AEF-969E-3EBB-AAFC8100572D}"/>
+                <a16:creationId xmlns:a16="http://schemas.microsoft.com/office/drawing/2014/main" id="{2F6AD0B4-F9C7-4C20-A59D-DDC7FB990A9A}"/>
               </a:ext>
             </a:extLst>
           </p:cNvPr>
@@ -6445,52 +6487,143 @@
         </p:blipFill>
         <p:spPr>
           <a:xfrm>
-            <a:off x="1616205" y="1023021"/>
-            <a:ext cx="8959590" cy="5640426"/>
+            <a:off x="1466204" y="2085787"/>
+            <a:ext cx="9259592" cy="2686425"/>
           </a:xfrm>
         </p:spPr>
       </p:pic>
-      <p:sp>
-        <p:nvSpPr>
-          <p:cNvPr id="14" name="Başlık 1">
+    </p:spTree>
+    <p:extLst>
+      <p:ext uri="{BB962C8B-B14F-4D97-AF65-F5344CB8AC3E}">
+        <p14:creationId xmlns:p14="http://schemas.microsoft.com/office/powerpoint/2010/main" val="708519338"/>
+      </p:ext>
+    </p:extLst>
+  </p:cSld>
+  <p:clrMapOvr>
+    <a:masterClrMapping/>
+  </p:clrMapOvr>
+</p:sld>
+</file>
+
+<file path=ppt/slides/slide19.xml><?xml version="1.0" encoding="utf-8"?>
+<p:sld xmlns:a="http://schemas.openxmlformats.org/drawingml/2006/main" xmlns:r="http://schemas.openxmlformats.org/officeDocument/2006/relationships" xmlns:p="http://schemas.openxmlformats.org/presentationml/2006/main">
+  <p:cSld>
+    <p:spTree>
+      <p:nvGrpSpPr>
+        <p:cNvPr id="1" name=""/>
+        <p:cNvGrpSpPr/>
+        <p:nvPr/>
+      </p:nvGrpSpPr>
+      <p:grpSpPr>
+        <a:xfrm>
+          <a:off x="0" y="0"/>
+          <a:ext cx="0" cy="0"/>
+          <a:chOff x="0" y="0"/>
+          <a:chExt cx="0" cy="0"/>
+        </a:xfrm>
+      </p:grpSpPr>
+      <p:pic>
+        <p:nvPicPr>
+          <p:cNvPr id="5" name="İçerik Yer Tutucusu 4" descr="metin, ekran görüntüsü, yazı tipi, çizgi içeren bir resim&#10;&#10;Açıklama otomatik olarak oluşturuldu">
             <a:extLst>
               <a:ext uri="{FF2B5EF4-FFF2-40B4-BE49-F238E27FC236}">
-                <a16:creationId xmlns:a16="http://schemas.microsoft.com/office/drawing/2014/main" id="{722BC97B-58C0-0210-6060-F58AB6AE958E}"/>
+                <a16:creationId xmlns:a16="http://schemas.microsoft.com/office/drawing/2014/main" id="{7CD217FB-F567-E142-691B-1F5436C08F43}"/>
               </a:ext>
             </a:extLst>
           </p:cNvPr>
-          <p:cNvSpPr>
-            <a:spLocks noGrp="1"/>
-          </p:cNvSpPr>
-          <p:nvPr>
-            <p:ph type="title"/>
-          </p:nvPr>
+          <p:cNvPicPr>
+            <a:picLocks noGrp="1" noChangeAspect="1"/>
+          </p:cNvPicPr>
+          <p:nvPr>
+            <p:ph idx="1"/>
+          </p:nvPr>
+        </p:nvPicPr>
+        <p:blipFill>
+          <a:blip r:embed="rId2">
+            <a:extLst>
+              <a:ext uri="{28A0092B-C50C-407E-A947-70E740481C1C}">
+                <a14:useLocalDpi xmlns:a14="http://schemas.microsoft.com/office/drawing/2010/main" val="0"/>
+              </a:ext>
+            </a:extLst>
+          </a:blip>
+          <a:stretch>
+            <a:fillRect/>
+          </a:stretch>
+        </p:blipFill>
+        <p:spPr>
+          <a:xfrm>
+            <a:off x="1042181" y="1766016"/>
+            <a:ext cx="10107637" cy="3325967"/>
+          </a:xfrm>
+        </p:spPr>
+      </p:pic>
+      <p:sp>
+        <p:nvSpPr>
+          <p:cNvPr id="8" name="Başlık 1">
+            <a:extLst>
+              <a:ext uri="{FF2B5EF4-FFF2-40B4-BE49-F238E27FC236}">
+                <a16:creationId xmlns:a16="http://schemas.microsoft.com/office/drawing/2014/main" id="{320B10CA-EE90-9779-0E85-1D42134F0A95}"/>
+              </a:ext>
+            </a:extLst>
+          </p:cNvPr>
+          <p:cNvSpPr txBox="1">
+            <a:spLocks/>
+          </p:cNvSpPr>
+          <p:nvPr/>
         </p:nvSpPr>
         <p:spPr>
           <a:xfrm>
             <a:off x="769450" y="83226"/>
             <a:ext cx="11029616" cy="1013800"/>
           </a:xfrm>
+          <a:prstGeom prst="rect">
+            <a:avLst/>
+          </a:prstGeom>
         </p:spPr>
         <p:txBody>
-          <a:bodyPr/>
-          <a:lstStyle/>
-          <a:p>
-            <a:r>
-              <a:rPr lang="tr-TR" b="1" dirty="0">
+          <a:bodyPr vert="horz" lIns="91440" tIns="45720" rIns="91440" bIns="45720" rtlCol="0" anchor="t">
+            <a:normAutofit/>
+          </a:bodyPr>
+          <a:lstStyle>
+            <a:lvl1pPr algn="l" defTabSz="914400" rtl="0" eaLnBrk="1" latinLnBrk="0" hangingPunct="1">
+              <a:lnSpc>
+                <a:spcPct val="89000"/>
+              </a:lnSpc>
+              <a:spcBef>
+                <a:spcPct val="0"/>
+              </a:spcBef>
+              <a:buNone/>
+              <a:defRPr sz="4400" kern="1200" baseline="0">
+                <a:solidFill>
+                  <a:schemeClr val="tx2"/>
+                </a:solidFill>
+                <a:latin typeface="+mj-lt"/>
+                <a:ea typeface="+mj-ea"/>
+                <a:cs typeface="+mj-cs"/>
+              </a:defRPr>
+            </a:lvl1pPr>
+          </a:lstStyle>
+          <a:p>
+            <a:r>
+              <a:rPr lang="tr-TR" b="1">
                 <a:solidFill>
                   <a:srgbClr val="000000"/>
                 </a:solidFill>
               </a:rPr>
               <a:t>Sınıf Diyagramı</a:t>
             </a:r>
+            <a:endParaRPr lang="tr-TR" b="1" dirty="0">
+              <a:solidFill>
+                <a:srgbClr val="000000"/>
+              </a:solidFill>
+            </a:endParaRPr>
           </a:p>
         </p:txBody>
       </p:sp>
     </p:spTree>
     <p:extLst>
       <p:ext uri="{BB962C8B-B14F-4D97-AF65-F5344CB8AC3E}">
-        <p14:creationId xmlns:p14="http://schemas.microsoft.com/office/powerpoint/2010/main" val="708519338"/>
+        <p14:creationId xmlns:p14="http://schemas.microsoft.com/office/powerpoint/2010/main" val="3599590500"/>
       </p:ext>
     </p:extLst>
   </p:cSld>
@@ -6685,6 +6818,594 @@
     <p:extLst>
       <p:ext uri="{BB962C8B-B14F-4D97-AF65-F5344CB8AC3E}">
         <p14:creationId xmlns:p14="http://schemas.microsoft.com/office/powerpoint/2010/main" val="1553867947"/>
+      </p:ext>
+    </p:extLst>
+  </p:cSld>
+  <p:clrMapOvr>
+    <a:masterClrMapping/>
+  </p:clrMapOvr>
+</p:sld>
+</file>
+
+<file path=ppt/slides/slide20.xml><?xml version="1.0" encoding="utf-8"?>
+<p:sld xmlns:a="http://schemas.openxmlformats.org/drawingml/2006/main" xmlns:r="http://schemas.openxmlformats.org/officeDocument/2006/relationships" xmlns:p="http://schemas.openxmlformats.org/presentationml/2006/main">
+  <p:cSld>
+    <p:spTree>
+      <p:nvGrpSpPr>
+        <p:cNvPr id="1" name=""/>
+        <p:cNvGrpSpPr/>
+        <p:nvPr/>
+      </p:nvGrpSpPr>
+      <p:grpSpPr>
+        <a:xfrm>
+          <a:off x="0" y="0"/>
+          <a:ext cx="0" cy="0"/>
+          <a:chOff x="0" y="0"/>
+          <a:chExt cx="0" cy="0"/>
+        </a:xfrm>
+      </p:grpSpPr>
+      <p:pic>
+        <p:nvPicPr>
+          <p:cNvPr id="6" name="İçerik Yer Tutucusu 5" descr="metin, makbuz, yazı tipi, sayı, numara içeren bir resim&#10;&#10;Açıklama otomatik olarak oluşturuldu">
+            <a:extLst>
+              <a:ext uri="{FF2B5EF4-FFF2-40B4-BE49-F238E27FC236}">
+                <a16:creationId xmlns:a16="http://schemas.microsoft.com/office/drawing/2014/main" id="{9FA0A233-F1BA-DDFD-8E45-808829284F1B}"/>
+              </a:ext>
+            </a:extLst>
+          </p:cNvPr>
+          <p:cNvPicPr>
+            <a:picLocks noGrp="1" noChangeAspect="1"/>
+          </p:cNvPicPr>
+          <p:nvPr>
+            <p:ph idx="1"/>
+          </p:nvPr>
+        </p:nvPicPr>
+        <p:blipFill>
+          <a:blip r:embed="rId2">
+            <a:extLst>
+              <a:ext uri="{28A0092B-C50C-407E-A947-70E740481C1C}">
+                <a14:useLocalDpi xmlns:a14="http://schemas.microsoft.com/office/drawing/2010/main" val="0"/>
+              </a:ext>
+            </a:extLst>
+          </a:blip>
+          <a:stretch>
+            <a:fillRect/>
+          </a:stretch>
+        </p:blipFill>
+        <p:spPr>
+          <a:xfrm>
+            <a:off x="4108580" y="739429"/>
+            <a:ext cx="3974840" cy="5733707"/>
+          </a:xfrm>
+        </p:spPr>
+      </p:pic>
+      <p:sp>
+        <p:nvSpPr>
+          <p:cNvPr id="4" name="Başlık 1">
+            <a:extLst>
+              <a:ext uri="{FF2B5EF4-FFF2-40B4-BE49-F238E27FC236}">
+                <a16:creationId xmlns:a16="http://schemas.microsoft.com/office/drawing/2014/main" id="{F0F69BAC-5590-9F33-A3C2-6E4F32C3C7E3}"/>
+              </a:ext>
+            </a:extLst>
+          </p:cNvPr>
+          <p:cNvSpPr txBox="1">
+            <a:spLocks/>
+          </p:cNvSpPr>
+          <p:nvPr/>
+        </p:nvSpPr>
+        <p:spPr>
+          <a:xfrm>
+            <a:off x="769450" y="83226"/>
+            <a:ext cx="11029616" cy="1013800"/>
+          </a:xfrm>
+          <a:prstGeom prst="rect">
+            <a:avLst/>
+          </a:prstGeom>
+        </p:spPr>
+        <p:txBody>
+          <a:bodyPr vert="horz" lIns="91440" tIns="45720" rIns="91440" bIns="45720" rtlCol="0" anchor="t">
+            <a:normAutofit/>
+          </a:bodyPr>
+          <a:lstStyle>
+            <a:lvl1pPr algn="l" defTabSz="914400" rtl="0" eaLnBrk="1" latinLnBrk="0" hangingPunct="1">
+              <a:lnSpc>
+                <a:spcPct val="89000"/>
+              </a:lnSpc>
+              <a:spcBef>
+                <a:spcPct val="0"/>
+              </a:spcBef>
+              <a:buNone/>
+              <a:defRPr sz="4400" kern="1200" baseline="0">
+                <a:solidFill>
+                  <a:schemeClr val="tx2"/>
+                </a:solidFill>
+                <a:latin typeface="+mj-lt"/>
+                <a:ea typeface="+mj-ea"/>
+                <a:cs typeface="+mj-cs"/>
+              </a:defRPr>
+            </a:lvl1pPr>
+          </a:lstStyle>
+          <a:p>
+            <a:r>
+              <a:rPr lang="en-US" b="1" dirty="0" err="1">
+                <a:solidFill>
+                  <a:srgbClr val="000000"/>
+                </a:solidFill>
+              </a:rPr>
+              <a:t>Sekans</a:t>
+            </a:r>
+            <a:r>
+              <a:rPr lang="en-US" b="1" dirty="0">
+                <a:solidFill>
+                  <a:srgbClr val="000000"/>
+                </a:solidFill>
+              </a:rPr>
+              <a:t> </a:t>
+            </a:r>
+            <a:r>
+              <a:rPr lang="en-US" b="1" dirty="0" err="1">
+                <a:solidFill>
+                  <a:srgbClr val="000000"/>
+                </a:solidFill>
+              </a:rPr>
+              <a:t>Diyagram</a:t>
+            </a:r>
+            <a:r>
+              <a:rPr lang="tr-TR" b="1" dirty="0">
+                <a:solidFill>
+                  <a:srgbClr val="000000"/>
+                </a:solidFill>
+              </a:rPr>
+              <a:t>ı</a:t>
+            </a:r>
+          </a:p>
+        </p:txBody>
+      </p:sp>
+    </p:spTree>
+    <p:extLst>
+      <p:ext uri="{BB962C8B-B14F-4D97-AF65-F5344CB8AC3E}">
+        <p14:creationId xmlns:p14="http://schemas.microsoft.com/office/powerpoint/2010/main" val="1054633517"/>
+      </p:ext>
+    </p:extLst>
+  </p:cSld>
+  <p:clrMapOvr>
+    <a:masterClrMapping/>
+  </p:clrMapOvr>
+</p:sld>
+</file>
+
+<file path=ppt/slides/slide21.xml><?xml version="1.0" encoding="utf-8"?>
+<p:sld xmlns:a="http://schemas.openxmlformats.org/drawingml/2006/main" xmlns:r="http://schemas.openxmlformats.org/officeDocument/2006/relationships" xmlns:p="http://schemas.openxmlformats.org/presentationml/2006/main">
+  <p:cSld>
+    <p:spTree>
+      <p:nvGrpSpPr>
+        <p:cNvPr id="1" name=""/>
+        <p:cNvGrpSpPr/>
+        <p:nvPr/>
+      </p:nvGrpSpPr>
+      <p:grpSpPr>
+        <a:xfrm>
+          <a:off x="0" y="0"/>
+          <a:ext cx="0" cy="0"/>
+          <a:chOff x="0" y="0"/>
+          <a:chExt cx="0" cy="0"/>
+        </a:xfrm>
+      </p:grpSpPr>
+      <p:pic>
+        <p:nvPicPr>
+          <p:cNvPr id="6" name="İçerik Yer Tutucusu 5" descr="metin, diyagram, ekran görüntüsü, paralel içeren bir resim&#10;&#10;Açıklama otomatik olarak oluşturuldu">
+            <a:extLst>
+              <a:ext uri="{FF2B5EF4-FFF2-40B4-BE49-F238E27FC236}">
+                <a16:creationId xmlns:a16="http://schemas.microsoft.com/office/drawing/2014/main" id="{FB01DEED-8C9A-5E0C-F385-684C92C1ED6E}"/>
+              </a:ext>
+            </a:extLst>
+          </p:cNvPr>
+          <p:cNvPicPr>
+            <a:picLocks noGrp="1" noChangeAspect="1"/>
+          </p:cNvPicPr>
+          <p:nvPr>
+            <p:ph idx="1"/>
+          </p:nvPr>
+        </p:nvPicPr>
+        <p:blipFill>
+          <a:blip r:embed="rId2">
+            <a:extLst>
+              <a:ext uri="{28A0092B-C50C-407E-A947-70E740481C1C}">
+                <a14:useLocalDpi xmlns:a14="http://schemas.microsoft.com/office/drawing/2010/main" val="0"/>
+              </a:ext>
+            </a:extLst>
+          </a:blip>
+          <a:stretch>
+            <a:fillRect/>
+          </a:stretch>
+        </p:blipFill>
+        <p:spPr>
+          <a:xfrm>
+            <a:off x="3629977" y="725947"/>
+            <a:ext cx="4932045" cy="5406105"/>
+          </a:xfrm>
+        </p:spPr>
+      </p:pic>
+      <p:sp>
+        <p:nvSpPr>
+          <p:cNvPr id="4" name="Başlık 1">
+            <a:extLst>
+              <a:ext uri="{FF2B5EF4-FFF2-40B4-BE49-F238E27FC236}">
+                <a16:creationId xmlns:a16="http://schemas.microsoft.com/office/drawing/2014/main" id="{F0F69BAC-5590-9F33-A3C2-6E4F32C3C7E3}"/>
+              </a:ext>
+            </a:extLst>
+          </p:cNvPr>
+          <p:cNvSpPr txBox="1">
+            <a:spLocks/>
+          </p:cNvSpPr>
+          <p:nvPr/>
+        </p:nvSpPr>
+        <p:spPr>
+          <a:xfrm>
+            <a:off x="769450" y="83226"/>
+            <a:ext cx="11029616" cy="1013800"/>
+          </a:xfrm>
+          <a:prstGeom prst="rect">
+            <a:avLst/>
+          </a:prstGeom>
+        </p:spPr>
+        <p:txBody>
+          <a:bodyPr vert="horz" lIns="91440" tIns="45720" rIns="91440" bIns="45720" rtlCol="0" anchor="t">
+            <a:normAutofit/>
+          </a:bodyPr>
+          <a:lstStyle>
+            <a:lvl1pPr algn="l" defTabSz="914400" rtl="0" eaLnBrk="1" latinLnBrk="0" hangingPunct="1">
+              <a:lnSpc>
+                <a:spcPct val="89000"/>
+              </a:lnSpc>
+              <a:spcBef>
+                <a:spcPct val="0"/>
+              </a:spcBef>
+              <a:buNone/>
+              <a:defRPr sz="4400" kern="1200" baseline="0">
+                <a:solidFill>
+                  <a:schemeClr val="tx2"/>
+                </a:solidFill>
+                <a:latin typeface="+mj-lt"/>
+                <a:ea typeface="+mj-ea"/>
+                <a:cs typeface="+mj-cs"/>
+              </a:defRPr>
+            </a:lvl1pPr>
+          </a:lstStyle>
+          <a:p>
+            <a:r>
+              <a:rPr lang="en-US" b="1" dirty="0" err="1">
+                <a:solidFill>
+                  <a:srgbClr val="000000"/>
+                </a:solidFill>
+              </a:rPr>
+              <a:t>Sekans</a:t>
+            </a:r>
+            <a:r>
+              <a:rPr lang="en-US" b="1" dirty="0">
+                <a:solidFill>
+                  <a:srgbClr val="000000"/>
+                </a:solidFill>
+              </a:rPr>
+              <a:t> </a:t>
+            </a:r>
+            <a:r>
+              <a:rPr lang="en-US" b="1" dirty="0" err="1">
+                <a:solidFill>
+                  <a:srgbClr val="000000"/>
+                </a:solidFill>
+              </a:rPr>
+              <a:t>Diyagram</a:t>
+            </a:r>
+            <a:r>
+              <a:rPr lang="tr-TR" b="1" dirty="0">
+                <a:solidFill>
+                  <a:srgbClr val="000000"/>
+                </a:solidFill>
+              </a:rPr>
+              <a:t>ı</a:t>
+            </a:r>
+          </a:p>
+        </p:txBody>
+      </p:sp>
+    </p:spTree>
+    <p:extLst>
+      <p:ext uri="{BB962C8B-B14F-4D97-AF65-F5344CB8AC3E}">
+        <p14:creationId xmlns:p14="http://schemas.microsoft.com/office/powerpoint/2010/main" val="3036557463"/>
+      </p:ext>
+    </p:extLst>
+  </p:cSld>
+  <p:clrMapOvr>
+    <a:masterClrMapping/>
+  </p:clrMapOvr>
+</p:sld>
+</file>
+
+<file path=ppt/slides/slide22.xml><?xml version="1.0" encoding="utf-8"?>
+<p:sld xmlns:a="http://schemas.openxmlformats.org/drawingml/2006/main" xmlns:r="http://schemas.openxmlformats.org/officeDocument/2006/relationships" xmlns:p="http://schemas.openxmlformats.org/presentationml/2006/main">
+  <p:cSld>
+    <p:spTree>
+      <p:nvGrpSpPr>
+        <p:cNvPr id="1" name=""/>
+        <p:cNvGrpSpPr/>
+        <p:nvPr/>
+      </p:nvGrpSpPr>
+      <p:grpSpPr>
+        <a:xfrm>
+          <a:off x="0" y="0"/>
+          <a:ext cx="0" cy="0"/>
+          <a:chOff x="0" y="0"/>
+          <a:chExt cx="0" cy="0"/>
+        </a:xfrm>
+      </p:grpSpPr>
+      <p:pic>
+        <p:nvPicPr>
+          <p:cNvPr id="6" name="İçerik Yer Tutucusu 5" descr="metin, diyagram, ekran görüntüsü, yazı tipi içeren bir resim&#10;&#10;Açıklama otomatik olarak oluşturuldu">
+            <a:extLst>
+              <a:ext uri="{FF2B5EF4-FFF2-40B4-BE49-F238E27FC236}">
+                <a16:creationId xmlns:a16="http://schemas.microsoft.com/office/drawing/2014/main" id="{2239D936-B1A5-F577-1A3D-AECE08C33020}"/>
+              </a:ext>
+            </a:extLst>
+          </p:cNvPr>
+          <p:cNvPicPr>
+            <a:picLocks noGrp="1" noChangeAspect="1"/>
+          </p:cNvPicPr>
+          <p:nvPr>
+            <p:ph idx="1"/>
+          </p:nvPr>
+        </p:nvPicPr>
+        <p:blipFill>
+          <a:blip r:embed="rId2">
+            <a:extLst>
+              <a:ext uri="{28A0092B-C50C-407E-A947-70E740481C1C}">
+                <a14:useLocalDpi xmlns:a14="http://schemas.microsoft.com/office/drawing/2010/main" val="0"/>
+              </a:ext>
+            </a:extLst>
+          </a:blip>
+          <a:stretch>
+            <a:fillRect/>
+          </a:stretch>
+        </p:blipFill>
+        <p:spPr>
+          <a:xfrm>
+            <a:off x="3884023" y="941120"/>
+            <a:ext cx="4423954" cy="4975760"/>
+          </a:xfrm>
+        </p:spPr>
+      </p:pic>
+      <p:sp>
+        <p:nvSpPr>
+          <p:cNvPr id="4" name="Başlık 1">
+            <a:extLst>
+              <a:ext uri="{FF2B5EF4-FFF2-40B4-BE49-F238E27FC236}">
+                <a16:creationId xmlns:a16="http://schemas.microsoft.com/office/drawing/2014/main" id="{F0F69BAC-5590-9F33-A3C2-6E4F32C3C7E3}"/>
+              </a:ext>
+            </a:extLst>
+          </p:cNvPr>
+          <p:cNvSpPr txBox="1">
+            <a:spLocks/>
+          </p:cNvSpPr>
+          <p:nvPr/>
+        </p:nvSpPr>
+        <p:spPr>
+          <a:xfrm>
+            <a:off x="769450" y="83226"/>
+            <a:ext cx="11029616" cy="1013800"/>
+          </a:xfrm>
+          <a:prstGeom prst="rect">
+            <a:avLst/>
+          </a:prstGeom>
+        </p:spPr>
+        <p:txBody>
+          <a:bodyPr vert="horz" lIns="91440" tIns="45720" rIns="91440" bIns="45720" rtlCol="0" anchor="t">
+            <a:normAutofit/>
+          </a:bodyPr>
+          <a:lstStyle>
+            <a:lvl1pPr algn="l" defTabSz="914400" rtl="0" eaLnBrk="1" latinLnBrk="0" hangingPunct="1">
+              <a:lnSpc>
+                <a:spcPct val="89000"/>
+              </a:lnSpc>
+              <a:spcBef>
+                <a:spcPct val="0"/>
+              </a:spcBef>
+              <a:buNone/>
+              <a:defRPr sz="4400" kern="1200" baseline="0">
+                <a:solidFill>
+                  <a:schemeClr val="tx2"/>
+                </a:solidFill>
+                <a:latin typeface="+mj-lt"/>
+                <a:ea typeface="+mj-ea"/>
+                <a:cs typeface="+mj-cs"/>
+              </a:defRPr>
+            </a:lvl1pPr>
+          </a:lstStyle>
+          <a:p>
+            <a:r>
+              <a:rPr lang="en-US" b="1" dirty="0" err="1">
+                <a:solidFill>
+                  <a:srgbClr val="000000"/>
+                </a:solidFill>
+              </a:rPr>
+              <a:t>Sekans</a:t>
+            </a:r>
+            <a:r>
+              <a:rPr lang="en-US" b="1" dirty="0">
+                <a:solidFill>
+                  <a:srgbClr val="000000"/>
+                </a:solidFill>
+              </a:rPr>
+              <a:t> </a:t>
+            </a:r>
+            <a:r>
+              <a:rPr lang="en-US" b="1" dirty="0" err="1">
+                <a:solidFill>
+                  <a:srgbClr val="000000"/>
+                </a:solidFill>
+              </a:rPr>
+              <a:t>Diyagram</a:t>
+            </a:r>
+            <a:r>
+              <a:rPr lang="tr-TR" b="1" dirty="0">
+                <a:solidFill>
+                  <a:srgbClr val="000000"/>
+                </a:solidFill>
+              </a:rPr>
+              <a:t>ı</a:t>
+            </a:r>
+          </a:p>
+        </p:txBody>
+      </p:sp>
+    </p:spTree>
+    <p:extLst>
+      <p:ext uri="{BB962C8B-B14F-4D97-AF65-F5344CB8AC3E}">
+        <p14:creationId xmlns:p14="http://schemas.microsoft.com/office/powerpoint/2010/main" val="3046158605"/>
+      </p:ext>
+    </p:extLst>
+  </p:cSld>
+  <p:clrMapOvr>
+    <a:masterClrMapping/>
+  </p:clrMapOvr>
+</p:sld>
+</file>
+
+<file path=ppt/slides/slide23.xml><?xml version="1.0" encoding="utf-8"?>
+<p:sld xmlns:a="http://schemas.openxmlformats.org/drawingml/2006/main" xmlns:r="http://schemas.openxmlformats.org/officeDocument/2006/relationships" xmlns:p="http://schemas.openxmlformats.org/presentationml/2006/main">
+  <p:cSld>
+    <p:spTree>
+      <p:nvGrpSpPr>
+        <p:cNvPr id="1" name=""/>
+        <p:cNvGrpSpPr/>
+        <p:nvPr/>
+      </p:nvGrpSpPr>
+      <p:grpSpPr>
+        <a:xfrm>
+          <a:off x="0" y="0"/>
+          <a:ext cx="0" cy="0"/>
+          <a:chOff x="0" y="0"/>
+          <a:chExt cx="0" cy="0"/>
+        </a:xfrm>
+      </p:grpSpPr>
+      <p:pic>
+        <p:nvPicPr>
+          <p:cNvPr id="6" name="İçerik Yer Tutucusu 5" descr="metin, ekran görüntüsü, diyagram, paralel içeren bir resim&#10;&#10;Açıklama otomatik olarak oluşturuldu">
+            <a:extLst>
+              <a:ext uri="{FF2B5EF4-FFF2-40B4-BE49-F238E27FC236}">
+                <a16:creationId xmlns:a16="http://schemas.microsoft.com/office/drawing/2014/main" id="{7851006F-62C9-58FF-DD0E-D5A1BB21E632}"/>
+              </a:ext>
+            </a:extLst>
+          </p:cNvPr>
+          <p:cNvPicPr>
+            <a:picLocks noGrp="1" noChangeAspect="1"/>
+          </p:cNvPicPr>
+          <p:nvPr>
+            <p:ph idx="1"/>
+          </p:nvPr>
+        </p:nvPicPr>
+        <p:blipFill>
+          <a:blip r:embed="rId2">
+            <a:extLst>
+              <a:ext uri="{28A0092B-C50C-407E-A947-70E740481C1C}">
+                <a14:useLocalDpi xmlns:a14="http://schemas.microsoft.com/office/drawing/2010/main" val="0"/>
+              </a:ext>
+            </a:extLst>
+          </a:blip>
+          <a:stretch>
+            <a:fillRect/>
+          </a:stretch>
+        </p:blipFill>
+        <p:spPr>
+          <a:xfrm>
+            <a:off x="3626768" y="1020736"/>
+            <a:ext cx="4938463" cy="4816527"/>
+          </a:xfrm>
+        </p:spPr>
+      </p:pic>
+      <p:sp>
+        <p:nvSpPr>
+          <p:cNvPr id="4" name="Başlık 1">
+            <a:extLst>
+              <a:ext uri="{FF2B5EF4-FFF2-40B4-BE49-F238E27FC236}">
+                <a16:creationId xmlns:a16="http://schemas.microsoft.com/office/drawing/2014/main" id="{F0F69BAC-5590-9F33-A3C2-6E4F32C3C7E3}"/>
+              </a:ext>
+            </a:extLst>
+          </p:cNvPr>
+          <p:cNvSpPr txBox="1">
+            <a:spLocks/>
+          </p:cNvSpPr>
+          <p:nvPr/>
+        </p:nvSpPr>
+        <p:spPr>
+          <a:xfrm>
+            <a:off x="769450" y="83226"/>
+            <a:ext cx="11029616" cy="1013800"/>
+          </a:xfrm>
+          <a:prstGeom prst="rect">
+            <a:avLst/>
+          </a:prstGeom>
+        </p:spPr>
+        <p:txBody>
+          <a:bodyPr vert="horz" lIns="91440" tIns="45720" rIns="91440" bIns="45720" rtlCol="0" anchor="t">
+            <a:normAutofit/>
+          </a:bodyPr>
+          <a:lstStyle>
+            <a:lvl1pPr algn="l" defTabSz="914400" rtl="0" eaLnBrk="1" latinLnBrk="0" hangingPunct="1">
+              <a:lnSpc>
+                <a:spcPct val="89000"/>
+              </a:lnSpc>
+              <a:spcBef>
+                <a:spcPct val="0"/>
+              </a:spcBef>
+              <a:buNone/>
+              <a:defRPr sz="4400" kern="1200" baseline="0">
+                <a:solidFill>
+                  <a:schemeClr val="tx2"/>
+                </a:solidFill>
+                <a:latin typeface="+mj-lt"/>
+                <a:ea typeface="+mj-ea"/>
+                <a:cs typeface="+mj-cs"/>
+              </a:defRPr>
+            </a:lvl1pPr>
+          </a:lstStyle>
+          <a:p>
+            <a:r>
+              <a:rPr lang="en-US" b="1" dirty="0" err="1">
+                <a:solidFill>
+                  <a:srgbClr val="000000"/>
+                </a:solidFill>
+              </a:rPr>
+              <a:t>Sekans</a:t>
+            </a:r>
+            <a:r>
+              <a:rPr lang="en-US" b="1" dirty="0">
+                <a:solidFill>
+                  <a:srgbClr val="000000"/>
+                </a:solidFill>
+              </a:rPr>
+              <a:t> </a:t>
+            </a:r>
+            <a:r>
+              <a:rPr lang="en-US" b="1" dirty="0" err="1">
+                <a:solidFill>
+                  <a:srgbClr val="000000"/>
+                </a:solidFill>
+              </a:rPr>
+              <a:t>Diyagram</a:t>
+            </a:r>
+            <a:r>
+              <a:rPr lang="tr-TR" b="1" dirty="0">
+                <a:solidFill>
+                  <a:srgbClr val="000000"/>
+                </a:solidFill>
+              </a:rPr>
+              <a:t>ı</a:t>
+            </a:r>
+          </a:p>
+        </p:txBody>
+      </p:sp>
+    </p:spTree>
+    <p:extLst>
+      <p:ext uri="{BB962C8B-B14F-4D97-AF65-F5344CB8AC3E}">
+        <p14:creationId xmlns:p14="http://schemas.microsoft.com/office/powerpoint/2010/main" val="2755783517"/>
       </p:ext>
     </p:extLst>
   </p:cSld>
@@ -7320,6 +8041,58 @@
           </a:xfrm>
         </p:spPr>
       </p:pic>
+      <p:sp>
+        <p:nvSpPr>
+          <p:cNvPr id="5" name="Akış Çizelgesi: İşlem 4">
+            <a:extLst>
+              <a:ext uri="{FF2B5EF4-FFF2-40B4-BE49-F238E27FC236}">
+                <a16:creationId xmlns:a16="http://schemas.microsoft.com/office/drawing/2014/main" id="{EBA72095-02F9-4D7B-1193-64A1953A35AA}"/>
+              </a:ext>
+            </a:extLst>
+          </p:cNvPr>
+          <p:cNvSpPr/>
+          <p:nvPr/>
+        </p:nvSpPr>
+        <p:spPr>
+          <a:xfrm>
+            <a:off x="4386263" y="2978944"/>
+            <a:ext cx="1228725" cy="150019"/>
+          </a:xfrm>
+          <a:prstGeom prst="flowChartProcess">
+            <a:avLst/>
+          </a:prstGeom>
+          <a:solidFill>
+            <a:srgbClr val="E97132"/>
+          </a:solidFill>
+          <a:ln>
+            <a:noFill/>
+          </a:ln>
+        </p:spPr>
+        <p:style>
+          <a:lnRef idx="2">
+            <a:schemeClr val="accent1">
+              <a:shade val="15000"/>
+            </a:schemeClr>
+          </a:lnRef>
+          <a:fillRef idx="1">
+            <a:schemeClr val="accent1"/>
+          </a:fillRef>
+          <a:effectRef idx="0">
+            <a:schemeClr val="accent1"/>
+          </a:effectRef>
+          <a:fontRef idx="minor">
+            <a:schemeClr val="lt1"/>
+          </a:fontRef>
+        </p:style>
+        <p:txBody>
+          <a:bodyPr rtlCol="0" anchor="ctr"/>
+          <a:lstStyle/>
+          <a:p>
+            <a:pPr algn="ctr"/>
+            <a:endParaRPr lang="tr-TR"/>
+          </a:p>
+        </p:txBody>
+      </p:sp>
     </p:spTree>
     <p:extLst>
       <p:ext uri="{BB962C8B-B14F-4D97-AF65-F5344CB8AC3E}">
@@ -7730,7 +8503,7 @@
                   <a:srgbClr val="000000"/>
                 </a:solidFill>
               </a:rPr>
-              <a:t>Hasta Kayıt Yönetimi: Hastaların kullanıcı bilgilerini kullanır.</a:t>
+              <a:t>Hasta Kayıt Yönetimi: Hastaların kullanıcı bilgilerini kullanır ve sisteme kayıt eder.</a:t>
             </a:r>
           </a:p>
           <a:p>
@@ -7759,6 +8532,20 @@
                 </a:solidFill>
               </a:rPr>
               <a:t>Hasta Yönetimi: Doktor tarafından tanı konulur ve reçete yazılır.</a:t>
+            </a:r>
+          </a:p>
+          <a:p>
+            <a:pPr>
+              <a:buFont typeface="Wingdings" panose="05000000000000000000" pitchFamily="2" charset="2"/>
+              <a:buChar char="Ø"/>
+            </a:pPr>
+            <a:r>
+              <a:rPr lang="tr-TR" sz="2400" dirty="0">
+                <a:solidFill>
+                  <a:srgbClr val="000000"/>
+                </a:solidFill>
+              </a:rPr>
+              <a:t>Doktor ve Sekreter Yönetimi: Admin doktor ve sekreter ekleyip silebilir, doktorların değerlendirilmelerini görebilir.</a:t>
             </a:r>
           </a:p>
         </p:txBody>
@@ -7872,62 +8659,11 @@
             <a:pPr marL="0" indent="0">
               <a:buNone/>
             </a:pPr>
-            <a:r>
-              <a:rPr lang="tr-TR" sz="2400" dirty="0">
-                <a:solidFill>
-                  <a:srgbClr val="000000"/>
-                </a:solidFill>
-              </a:rPr>
-              <a:t>Hasta Bilgileri: İsim, </a:t>
-            </a:r>
-            <a:r>
-              <a:rPr lang="tr-TR" sz="2400" dirty="0" err="1">
-                <a:solidFill>
-                  <a:srgbClr val="000000"/>
-                </a:solidFill>
-              </a:rPr>
-              <a:t>soyisim</a:t>
-            </a:r>
-            <a:r>
-              <a:rPr lang="tr-TR" sz="2400" dirty="0">
-                <a:solidFill>
-                  <a:srgbClr val="000000"/>
-                </a:solidFill>
-              </a:rPr>
-              <a:t>, kimlik </a:t>
-            </a:r>
-            <a:r>
-              <a:rPr lang="tr-TR" sz="2400" dirty="0" err="1">
-                <a:solidFill>
-                  <a:srgbClr val="000000"/>
-                </a:solidFill>
-              </a:rPr>
-              <a:t>no</a:t>
-            </a:r>
-            <a:r>
-              <a:rPr lang="tr-TR" sz="2400" dirty="0">
-                <a:solidFill>
-                  <a:srgbClr val="000000"/>
-                </a:solidFill>
-              </a:rPr>
-              <a:t>, telefon </a:t>
-            </a:r>
-            <a:r>
-              <a:rPr lang="tr-TR" sz="2400" dirty="0" err="1">
-                <a:solidFill>
-                  <a:srgbClr val="000000"/>
-                </a:solidFill>
-              </a:rPr>
-              <a:t>no</a:t>
-            </a:r>
-            <a:r>
-              <a:rPr lang="tr-TR" sz="2400" dirty="0">
-                <a:solidFill>
-                  <a:srgbClr val="000000"/>
-                </a:solidFill>
-              </a:rPr>
-              <a:t>, şifre.</a:t>
-            </a:r>
+            <a:endParaRPr lang="tr-TR" sz="3200" dirty="0">
+              <a:solidFill>
+                <a:srgbClr val="000000"/>
+              </a:solidFill>
+            </a:endParaRPr>
           </a:p>
           <a:p>
             <a:pPr marL="0" indent="0">
@@ -7939,7 +8675,7 @@
                   <a:srgbClr val="000000"/>
                 </a:solidFill>
               </a:rPr>
-              <a:t>Doktor Bilgileri: İsim, </a:t>
+              <a:t>Hasta Bilgileri: İsim, </a:t>
             </a:r>
             <a:r>
               <a:rPr lang="tr-TR" sz="2400" dirty="0" err="1">
@@ -7987,7 +8723,7 @@
                   <a:srgbClr val="000000"/>
                 </a:solidFill>
               </a:rPr>
-              <a:t>, şifre, branş.</a:t>
+              <a:t>, şifre.</a:t>
             </a:r>
           </a:p>
           <a:p>
@@ -8000,6 +8736,67 @@
                   <a:srgbClr val="000000"/>
                 </a:solidFill>
               </a:rPr>
+              <a:t>Doktor Bilgileri: İsim, </a:t>
+            </a:r>
+            <a:r>
+              <a:rPr lang="tr-TR" sz="2400" dirty="0" err="1">
+                <a:solidFill>
+                  <a:srgbClr val="000000"/>
+                </a:solidFill>
+              </a:rPr>
+              <a:t>soyisim</a:t>
+            </a:r>
+            <a:r>
+              <a:rPr lang="tr-TR" sz="2400" dirty="0">
+                <a:solidFill>
+                  <a:srgbClr val="000000"/>
+                </a:solidFill>
+              </a:rPr>
+              <a:t>, kimlik </a:t>
+            </a:r>
+            <a:r>
+              <a:rPr lang="tr-TR" sz="2400" dirty="0" err="1">
+                <a:solidFill>
+                  <a:srgbClr val="000000"/>
+                </a:solidFill>
+              </a:rPr>
+              <a:t>no</a:t>
+            </a:r>
+            <a:r>
+              <a:rPr lang="tr-TR" sz="2400" dirty="0">
+                <a:solidFill>
+                  <a:srgbClr val="000000"/>
+                </a:solidFill>
+              </a:rPr>
+              <a:t>, telefon </a:t>
+            </a:r>
+            <a:r>
+              <a:rPr lang="tr-TR" sz="2400" dirty="0" err="1">
+                <a:solidFill>
+                  <a:srgbClr val="000000"/>
+                </a:solidFill>
+              </a:rPr>
+              <a:t>no</a:t>
+            </a:r>
+            <a:r>
+              <a:rPr lang="tr-TR" sz="2400" dirty="0">
+                <a:solidFill>
+                  <a:srgbClr val="000000"/>
+                </a:solidFill>
+              </a:rPr>
+              <a:t>, şifre, branş.</a:t>
+            </a:r>
+          </a:p>
+          <a:p>
+            <a:pPr marL="0" indent="0">
+              <a:buNone/>
+            </a:pPr>
+            <a:r>
+              <a:rPr lang="tr-TR" sz="2400" dirty="0">
+                <a:solidFill>
+                  <a:srgbClr val="000000"/>
+                </a:solidFill>
+              </a:rPr>
               <a:t>Sekreter: İsim, </a:t>
             </a:r>
             <a:r>
@@ -8033,6 +8830,35 @@
                 </a:solidFill>
               </a:rPr>
               <a:t>, telefon </a:t>
+            </a:r>
+            <a:r>
+              <a:rPr lang="tr-TR" sz="2400" dirty="0" err="1">
+                <a:solidFill>
+                  <a:srgbClr val="000000"/>
+                </a:solidFill>
+              </a:rPr>
+              <a:t>no</a:t>
+            </a:r>
+            <a:r>
+              <a:rPr lang="tr-TR" sz="2400" dirty="0">
+                <a:solidFill>
+                  <a:srgbClr val="000000"/>
+                </a:solidFill>
+              </a:rPr>
+              <a:t>, şifre.</a:t>
+            </a:r>
+          </a:p>
+          <a:p>
+            <a:pPr marL="0" indent="0">
+              <a:buNone/>
+            </a:pPr>
+            <a:r>
+              <a:rPr lang="tr-TR" sz="2400" dirty="0">
+                <a:solidFill>
+                  <a:srgbClr val="000000"/>
+                </a:solidFill>
+              </a:rPr>
+              <a:t>Admin: kimlik </a:t>
             </a:r>
             <a:r>
               <a:rPr lang="tr-TR" sz="2400" dirty="0" err="1">
